--- a/Presentation/AdvenShare.pptx
+++ b/Presentation/AdvenShare.pptx
@@ -20,6 +20,7 @@
     <p:sldId id="268" r:id="rId14"/>
     <p:sldId id="269" r:id="rId15"/>
     <p:sldId id="270" r:id="rId16"/>
+    <p:sldId id="271" r:id="rId17"/>
   </p:sldIdLst>
   <p:sldSz cx="12192000" cy="6858000"/>
   <p:notesSz cx="6858000" cy="9144000"/>
@@ -118,6 +119,11 @@
       </a:defRPr>
     </a:lvl9pPr>
   </p:defaultTextStyle>
+  <p:extLst>
+    <p:ext uri="{EFAFB233-063F-42B5-8137-9DF3F51BA10A}">
+      <p15:sldGuideLst xmlns:p15="http://schemas.microsoft.com/office/powerpoint/2012/main"/>
+    </p:ext>
+  </p:extLst>
 </p:presentation>
 </file>
 
@@ -3976,6 +3982,100 @@
 </p:sld>
 </file>
 
+<file path=ppt/slides/slide16.xml><?xml version="1.0" encoding="utf-8"?>
+<p:sld xmlns:a="http://schemas.openxmlformats.org/drawingml/2006/main" xmlns:r="http://schemas.openxmlformats.org/officeDocument/2006/relationships" xmlns:p="http://schemas.openxmlformats.org/presentationml/2006/main">
+  <p:cSld>
+    <p:bg>
+      <p:bgPr>
+        <a:blipFill dpi="0" rotWithShape="1">
+          <a:blip r:embed="rId2">
+            <a:lum/>
+          </a:blip>
+          <a:srcRect/>
+          <a:stretch>
+            <a:fillRect/>
+          </a:stretch>
+        </a:blipFill>
+        <a:effectLst/>
+      </p:bgPr>
+    </p:bg>
+    <p:spTree>
+      <p:nvGrpSpPr>
+        <p:cNvPr id="1" name=""/>
+        <p:cNvGrpSpPr/>
+        <p:nvPr/>
+      </p:nvGrpSpPr>
+      <p:grpSpPr>
+        <a:xfrm>
+          <a:off x="0" y="0"/>
+          <a:ext cx="0" cy="0"/>
+          <a:chOff x="0" y="0"/>
+          <a:chExt cx="0" cy="0"/>
+        </a:xfrm>
+      </p:grpSpPr>
+      <p:sp>
+        <p:nvSpPr>
+          <p:cNvPr id="2" name="Title 1">
+            <a:extLst>
+              <a:ext uri="{FF2B5EF4-FFF2-40B4-BE49-F238E27FC236}">
+                <a16:creationId xmlns:a16="http://schemas.microsoft.com/office/drawing/2014/main" id="{3F851CB2-FA2B-4CB2-B942-505B6991F86E}"/>
+              </a:ext>
+            </a:extLst>
+          </p:cNvPr>
+          <p:cNvSpPr>
+            <a:spLocks noGrp="1"/>
+          </p:cNvSpPr>
+          <p:nvPr>
+            <p:ph type="title"/>
+          </p:nvPr>
+        </p:nvSpPr>
+        <p:spPr/>
+        <p:txBody>
+          <a:bodyPr/>
+          <a:lstStyle/>
+          <a:p>
+            <a:endParaRPr lang="en-US"/>
+          </a:p>
+        </p:txBody>
+      </p:sp>
+      <p:sp>
+        <p:nvSpPr>
+          <p:cNvPr id="3" name="Content Placeholder 2">
+            <a:extLst>
+              <a:ext uri="{FF2B5EF4-FFF2-40B4-BE49-F238E27FC236}">
+                <a16:creationId xmlns:a16="http://schemas.microsoft.com/office/drawing/2014/main" id="{C2B8B3E8-5467-4225-82D9-491648060E8B}"/>
+              </a:ext>
+            </a:extLst>
+          </p:cNvPr>
+          <p:cNvSpPr>
+            <a:spLocks noGrp="1"/>
+          </p:cNvSpPr>
+          <p:nvPr>
+            <p:ph idx="1"/>
+          </p:nvPr>
+        </p:nvSpPr>
+        <p:spPr/>
+        <p:txBody>
+          <a:bodyPr/>
+          <a:lstStyle/>
+          <a:p>
+            <a:endParaRPr lang="en-US"/>
+          </a:p>
+        </p:txBody>
+      </p:sp>
+    </p:spTree>
+    <p:extLst>
+      <p:ext uri="{BB962C8B-B14F-4D97-AF65-F5344CB8AC3E}">
+        <p14:creationId xmlns:p14="http://schemas.microsoft.com/office/powerpoint/2010/main" val="336108111"/>
+      </p:ext>
+    </p:extLst>
+  </p:cSld>
+  <p:clrMapOvr>
+    <a:masterClrMapping/>
+  </p:clrMapOvr>
+</p:sld>
+</file>
+
 <file path=ppt/slides/slide2.xml><?xml version="1.0" encoding="utf-8"?>
 <p:sld xmlns:a="http://schemas.openxmlformats.org/drawingml/2006/main" xmlns:r="http://schemas.openxmlformats.org/officeDocument/2006/relationships" xmlns:p="http://schemas.openxmlformats.org/presentationml/2006/main">
   <p:cSld>

--- a/Presentation/AdvenShare.pptx
+++ b/Presentation/AdvenShare.pptx
@@ -5,22 +5,18 @@
     <p:sldMasterId id="2147483648" r:id="rId1"/>
   </p:sldMasterIdLst>
   <p:sldIdLst>
-    <p:sldId id="256" r:id="rId2"/>
-    <p:sldId id="257" r:id="rId3"/>
-    <p:sldId id="258" r:id="rId4"/>
-    <p:sldId id="259" r:id="rId5"/>
-    <p:sldId id="260" r:id="rId6"/>
-    <p:sldId id="261" r:id="rId7"/>
-    <p:sldId id="262" r:id="rId8"/>
-    <p:sldId id="263" r:id="rId9"/>
-    <p:sldId id="264" r:id="rId10"/>
-    <p:sldId id="265" r:id="rId11"/>
-    <p:sldId id="266" r:id="rId12"/>
-    <p:sldId id="267" r:id="rId13"/>
-    <p:sldId id="268" r:id="rId14"/>
-    <p:sldId id="269" r:id="rId15"/>
-    <p:sldId id="270" r:id="rId16"/>
-    <p:sldId id="271" r:id="rId17"/>
+    <p:sldId id="271" r:id="rId2"/>
+    <p:sldId id="272" r:id="rId3"/>
+    <p:sldId id="265" r:id="rId4"/>
+    <p:sldId id="273" r:id="rId5"/>
+    <p:sldId id="275" r:id="rId6"/>
+    <p:sldId id="259" r:id="rId7"/>
+    <p:sldId id="263" r:id="rId8"/>
+    <p:sldId id="258" r:id="rId9"/>
+    <p:sldId id="276" r:id="rId10"/>
+    <p:sldId id="260" r:id="rId11"/>
+    <p:sldId id="277" r:id="rId12"/>
+    <p:sldId id="257" r:id="rId13"/>
   </p:sldIdLst>
   <p:sldSz cx="12192000" cy="6858000"/>
   <p:notesSz cx="6858000" cy="9144000"/>
@@ -3355,60 +3351,10 @@
           <a:chExt cx="0" cy="0"/>
         </a:xfrm>
       </p:grpSpPr>
-      <p:sp>
-        <p:nvSpPr>
-          <p:cNvPr id="2" name="Title 1">
-            <a:extLst>
-              <a:ext uri="{FF2B5EF4-FFF2-40B4-BE49-F238E27FC236}">
-                <a16:creationId xmlns:a16="http://schemas.microsoft.com/office/drawing/2014/main" id="{0FD969C4-B820-4988-843F-DB3C964BED7C}"/>
-              </a:ext>
-            </a:extLst>
-          </p:cNvPr>
-          <p:cNvSpPr>
-            <a:spLocks noGrp="1"/>
-          </p:cNvSpPr>
-          <p:nvPr>
-            <p:ph type="ctrTitle"/>
-          </p:nvPr>
-        </p:nvSpPr>
-        <p:spPr/>
-        <p:txBody>
-          <a:bodyPr/>
-          <a:lstStyle/>
-          <a:p>
-            <a:endParaRPr lang="en-US"/>
-          </a:p>
-        </p:txBody>
-      </p:sp>
-      <p:sp>
-        <p:nvSpPr>
-          <p:cNvPr id="3" name="Subtitle 2">
-            <a:extLst>
-              <a:ext uri="{FF2B5EF4-FFF2-40B4-BE49-F238E27FC236}">
-                <a16:creationId xmlns:a16="http://schemas.microsoft.com/office/drawing/2014/main" id="{6F28721F-2064-464B-BBE5-1A4ABF8A1902}"/>
-              </a:ext>
-            </a:extLst>
-          </p:cNvPr>
-          <p:cNvSpPr>
-            <a:spLocks noGrp="1"/>
-          </p:cNvSpPr>
-          <p:nvPr>
-            <p:ph type="subTitle" idx="1"/>
-          </p:nvPr>
-        </p:nvSpPr>
-        <p:spPr/>
-        <p:txBody>
-          <a:bodyPr/>
-          <a:lstStyle/>
-          <a:p>
-            <a:endParaRPr lang="en-US"/>
-          </a:p>
-        </p:txBody>
-      </p:sp>
     </p:spTree>
     <p:extLst>
       <p:ext uri="{BB962C8B-B14F-4D97-AF65-F5344CB8AC3E}">
-        <p14:creationId xmlns:p14="http://schemas.microsoft.com/office/powerpoint/2010/main" val="2250178198"/>
+        <p14:creationId xmlns:p14="http://schemas.microsoft.com/office/powerpoint/2010/main" val="336108111"/>
       </p:ext>
     </p:extLst>
   </p:cSld>
@@ -3429,7 +3375,7 @@
           </a:blip>
           <a:srcRect/>
           <a:stretch>
-            <a:fillRect/>
+            <a:fillRect b="-9000"/>
           </a:stretch>
         </a:blipFill>
         <a:effectLst/>
@@ -3451,58 +3397,45 @@
       </p:grpSpPr>
       <p:sp>
         <p:nvSpPr>
-          <p:cNvPr id="2" name="Title 1">
-            <a:extLst>
-              <a:ext uri="{FF2B5EF4-FFF2-40B4-BE49-F238E27FC236}">
-                <a16:creationId xmlns:a16="http://schemas.microsoft.com/office/drawing/2014/main" id="{4825DD70-5F98-4A1D-9C93-9D106864F6EA}"/>
-              </a:ext>
-            </a:extLst>
-          </p:cNvPr>
-          <p:cNvSpPr>
-            <a:spLocks noGrp="1"/>
-          </p:cNvSpPr>
-          <p:nvPr>
-            <p:ph type="title"/>
-          </p:nvPr>
-        </p:nvSpPr>
-        <p:spPr/>
-        <p:txBody>
-          <a:bodyPr/>
-          <a:lstStyle/>
-          <a:p>
-            <a:endParaRPr lang="en-US"/>
-          </a:p>
-        </p:txBody>
-      </p:sp>
-      <p:sp>
-        <p:nvSpPr>
-          <p:cNvPr id="3" name="Content Placeholder 2">
-            <a:extLst>
-              <a:ext uri="{FF2B5EF4-FFF2-40B4-BE49-F238E27FC236}">
-                <a16:creationId xmlns:a16="http://schemas.microsoft.com/office/drawing/2014/main" id="{F78EEB12-C385-4159-94F3-0FA28F89C83C}"/>
-              </a:ext>
-            </a:extLst>
-          </p:cNvPr>
-          <p:cNvSpPr>
-            <a:spLocks noGrp="1"/>
-          </p:cNvSpPr>
-          <p:nvPr>
-            <p:ph idx="1"/>
-          </p:nvPr>
-        </p:nvSpPr>
-        <p:spPr/>
-        <p:txBody>
-          <a:bodyPr/>
-          <a:lstStyle/>
-          <a:p>
-            <a:endParaRPr lang="en-US"/>
+          <p:cNvPr id="4" name="TextBox 3">
+            <a:extLst>
+              <a:ext uri="{FF2B5EF4-FFF2-40B4-BE49-F238E27FC236}">
+                <a16:creationId xmlns:a16="http://schemas.microsoft.com/office/drawing/2014/main" id="{C0E6E084-1E09-445F-91D4-3F5DD96A3188}"/>
+              </a:ext>
+            </a:extLst>
+          </p:cNvPr>
+          <p:cNvSpPr txBox="1"/>
+          <p:nvPr/>
+        </p:nvSpPr>
+        <p:spPr>
+          <a:xfrm>
+            <a:off x="5302353" y="415061"/>
+            <a:ext cx="1587294" cy="707886"/>
+          </a:xfrm>
+          <a:prstGeom prst="rect">
+            <a:avLst/>
+          </a:prstGeom>
+          <a:noFill/>
+        </p:spPr>
+        <p:txBody>
+          <a:bodyPr wrap="none" rtlCol="0">
+            <a:spAutoFit/>
+          </a:bodyPr>
+          <a:lstStyle/>
+          <a:p>
+            <a:r>
+              <a:rPr lang="en-US" sz="4000" dirty="0">
+                <a:latin typeface="Berlin Sans FB" panose="020E0602020502020306" pitchFamily="34" charset="0"/>
+              </a:rPr>
+              <a:t>DEMO</a:t>
+            </a:r>
           </a:p>
         </p:txBody>
       </p:sp>
     </p:spTree>
     <p:extLst>
       <p:ext uri="{BB962C8B-B14F-4D97-AF65-F5344CB8AC3E}">
-        <p14:creationId xmlns:p14="http://schemas.microsoft.com/office/powerpoint/2010/main" val="537264146"/>
+        <p14:creationId xmlns:p14="http://schemas.microsoft.com/office/powerpoint/2010/main" val="589051173"/>
       </p:ext>
     </p:extLst>
   </p:cSld>
@@ -3545,58 +3478,284 @@
       </p:grpSpPr>
       <p:sp>
         <p:nvSpPr>
-          <p:cNvPr id="2" name="Title 1">
-            <a:extLst>
-              <a:ext uri="{FF2B5EF4-FFF2-40B4-BE49-F238E27FC236}">
-                <a16:creationId xmlns:a16="http://schemas.microsoft.com/office/drawing/2014/main" id="{AAA76EA3-0B4A-487D-BA06-1CAAC42727B7}"/>
-              </a:ext>
-            </a:extLst>
-          </p:cNvPr>
-          <p:cNvSpPr>
-            <a:spLocks noGrp="1"/>
-          </p:cNvSpPr>
-          <p:nvPr>
-            <p:ph type="title"/>
-          </p:nvPr>
-        </p:nvSpPr>
-        <p:spPr/>
-        <p:txBody>
-          <a:bodyPr/>
-          <a:lstStyle/>
-          <a:p>
-            <a:endParaRPr lang="en-US"/>
-          </a:p>
-        </p:txBody>
-      </p:sp>
-      <p:sp>
-        <p:nvSpPr>
-          <p:cNvPr id="3" name="Content Placeholder 2">
-            <a:extLst>
-              <a:ext uri="{FF2B5EF4-FFF2-40B4-BE49-F238E27FC236}">
-                <a16:creationId xmlns:a16="http://schemas.microsoft.com/office/drawing/2014/main" id="{C59EFB3A-E8D8-42CF-9FA9-990BCD849C41}"/>
-              </a:ext>
-            </a:extLst>
-          </p:cNvPr>
-          <p:cNvSpPr>
-            <a:spLocks noGrp="1"/>
-          </p:cNvSpPr>
-          <p:nvPr>
-            <p:ph idx="1"/>
-          </p:nvPr>
-        </p:nvSpPr>
-        <p:spPr/>
-        <p:txBody>
-          <a:bodyPr/>
-          <a:lstStyle/>
-          <a:p>
-            <a:endParaRPr lang="en-US"/>
+          <p:cNvPr id="5" name="Rectangle 4">
+            <a:extLst>
+              <a:ext uri="{FF2B5EF4-FFF2-40B4-BE49-F238E27FC236}">
+                <a16:creationId xmlns:a16="http://schemas.microsoft.com/office/drawing/2014/main" id="{44A158B2-9445-49A0-BFE3-6F9543832C3B}"/>
+              </a:ext>
+            </a:extLst>
+          </p:cNvPr>
+          <p:cNvSpPr/>
+          <p:nvPr/>
+        </p:nvSpPr>
+        <p:spPr>
+          <a:xfrm>
+            <a:off x="75483" y="2964722"/>
+            <a:ext cx="2638863" cy="584775"/>
+          </a:xfrm>
+          <a:prstGeom prst="rect">
+            <a:avLst/>
+          </a:prstGeom>
+        </p:spPr>
+        <p:txBody>
+          <a:bodyPr wrap="none">
+            <a:spAutoFit/>
+          </a:bodyPr>
+          <a:lstStyle/>
+          <a:p>
+            <a:pPr algn="ctr"/>
+            <a:r>
+              <a:rPr lang="en-US" sz="3200" dirty="0">
+                <a:solidFill>
+                  <a:schemeClr val="bg1"/>
+                </a:solidFill>
+                <a:latin typeface="Berlin Sans FB" panose="020E0602020502020306" pitchFamily="34" charset="0"/>
+              </a:rPr>
+              <a:t>REFLECTIONS</a:t>
+            </a:r>
+            <a:endParaRPr lang="en-US" sz="4000" dirty="0">
+              <a:solidFill>
+                <a:schemeClr val="bg1"/>
+              </a:solidFill>
+            </a:endParaRPr>
+          </a:p>
+        </p:txBody>
+      </p:sp>
+      <p:sp>
+        <p:nvSpPr>
+          <p:cNvPr id="2" name="TextBox 1">
+            <a:extLst>
+              <a:ext uri="{FF2B5EF4-FFF2-40B4-BE49-F238E27FC236}">
+                <a16:creationId xmlns:a16="http://schemas.microsoft.com/office/drawing/2014/main" id="{6D61B02F-B83C-4F03-B533-BAE0D5DC87DE}"/>
+              </a:ext>
+            </a:extLst>
+          </p:cNvPr>
+          <p:cNvSpPr txBox="1"/>
+          <p:nvPr/>
+        </p:nvSpPr>
+        <p:spPr>
+          <a:xfrm>
+            <a:off x="3577389" y="545432"/>
+            <a:ext cx="1624163" cy="707886"/>
+          </a:xfrm>
+          <a:prstGeom prst="rect">
+            <a:avLst/>
+          </a:prstGeom>
+          <a:noFill/>
+        </p:spPr>
+        <p:txBody>
+          <a:bodyPr wrap="none" rtlCol="0">
+            <a:spAutoFit/>
+          </a:bodyPr>
+          <a:lstStyle/>
+          <a:p>
+            <a:r>
+              <a:rPr lang="en-US" sz="4000" dirty="0">
+                <a:latin typeface="Berlin Sans FB" panose="020E0602020502020306" pitchFamily="34" charset="0"/>
+              </a:rPr>
+              <a:t>GOOD</a:t>
+            </a:r>
+          </a:p>
+        </p:txBody>
+      </p:sp>
+      <p:sp>
+        <p:nvSpPr>
+          <p:cNvPr id="14" name="TextBox 13">
+            <a:extLst>
+              <a:ext uri="{FF2B5EF4-FFF2-40B4-BE49-F238E27FC236}">
+                <a16:creationId xmlns:a16="http://schemas.microsoft.com/office/drawing/2014/main" id="{C9430E87-8CCB-473F-AC0F-72837B2164DA}"/>
+              </a:ext>
+            </a:extLst>
+          </p:cNvPr>
+          <p:cNvSpPr txBox="1"/>
+          <p:nvPr/>
+        </p:nvSpPr>
+        <p:spPr>
+          <a:xfrm>
+            <a:off x="3577388" y="1253318"/>
+            <a:ext cx="6824304" cy="1569660"/>
+          </a:xfrm>
+          <a:prstGeom prst="rect">
+            <a:avLst/>
+          </a:prstGeom>
+          <a:noFill/>
+        </p:spPr>
+        <p:txBody>
+          <a:bodyPr wrap="none" rtlCol="0">
+            <a:spAutoFit/>
+          </a:bodyPr>
+          <a:lstStyle/>
+          <a:p>
+            <a:pPr marL="342900" indent="-342900">
+              <a:buFont typeface="Arial" panose="020B0604020202020204" pitchFamily="34" charset="0"/>
+              <a:buChar char="•"/>
+            </a:pPr>
+            <a:r>
+              <a:rPr lang="en-US" sz="2400" dirty="0">
+                <a:latin typeface="Berlin Sans FB" panose="020E0602020502020306" pitchFamily="34" charset="0"/>
+              </a:rPr>
+              <a:t>React Native !</a:t>
+            </a:r>
+          </a:p>
+          <a:p>
+            <a:pPr marL="342900" indent="-342900">
+              <a:buFont typeface="Arial" panose="020B0604020202020204" pitchFamily="34" charset="0"/>
+              <a:buChar char="•"/>
+            </a:pPr>
+            <a:r>
+              <a:rPr lang="en-US" sz="2400" dirty="0">
+                <a:latin typeface="Berlin Sans FB" panose="020E0602020502020306" pitchFamily="34" charset="0"/>
+              </a:rPr>
+              <a:t>Independent working through Git based on Trello</a:t>
+            </a:r>
+          </a:p>
+          <a:p>
+            <a:pPr marL="342900" indent="-342900">
+              <a:buFont typeface="Arial" panose="020B0604020202020204" pitchFamily="34" charset="0"/>
+              <a:buChar char="•"/>
+            </a:pPr>
+            <a:r>
+              <a:rPr lang="en-US" sz="2400" dirty="0">
+                <a:latin typeface="Berlin Sans FB" panose="020E0602020502020306" pitchFamily="34" charset="0"/>
+              </a:rPr>
+              <a:t>Firebase</a:t>
+            </a:r>
+          </a:p>
+          <a:p>
+            <a:pPr marL="342900" indent="-342900">
+              <a:buFont typeface="Arial" panose="020B0604020202020204" pitchFamily="34" charset="0"/>
+              <a:buChar char="•"/>
+            </a:pPr>
+            <a:r>
+              <a:rPr lang="en-US" sz="2400" dirty="0">
+                <a:latin typeface="Berlin Sans FB" panose="020E0602020502020306" pitchFamily="34" charset="0"/>
+              </a:rPr>
+              <a:t>Morning scrum</a:t>
+            </a:r>
+            <a:endParaRPr lang="en-US" sz="4000" dirty="0">
+              <a:latin typeface="Berlin Sans FB" panose="020E0602020502020306" pitchFamily="34" charset="0"/>
+            </a:endParaRPr>
+          </a:p>
+        </p:txBody>
+      </p:sp>
+      <p:sp>
+        <p:nvSpPr>
+          <p:cNvPr id="15" name="TextBox 14">
+            <a:extLst>
+              <a:ext uri="{FF2B5EF4-FFF2-40B4-BE49-F238E27FC236}">
+                <a16:creationId xmlns:a16="http://schemas.microsoft.com/office/drawing/2014/main" id="{375CB7FA-FD23-4C63-B4CD-74455C7E574E}"/>
+              </a:ext>
+            </a:extLst>
+          </p:cNvPr>
+          <p:cNvSpPr txBox="1"/>
+          <p:nvPr/>
+        </p:nvSpPr>
+        <p:spPr>
+          <a:xfrm>
+            <a:off x="3577389" y="3257109"/>
+            <a:ext cx="2770310" cy="707886"/>
+          </a:xfrm>
+          <a:prstGeom prst="rect">
+            <a:avLst/>
+          </a:prstGeom>
+          <a:noFill/>
+        </p:spPr>
+        <p:txBody>
+          <a:bodyPr wrap="none" rtlCol="0">
+            <a:spAutoFit/>
+          </a:bodyPr>
+          <a:lstStyle/>
+          <a:p>
+            <a:r>
+              <a:rPr lang="en-US" sz="4000" dirty="0">
+                <a:latin typeface="Berlin Sans FB" panose="020E0602020502020306" pitchFamily="34" charset="0"/>
+              </a:rPr>
+              <a:t>LESS GOOD</a:t>
+            </a:r>
+          </a:p>
+        </p:txBody>
+      </p:sp>
+      <p:sp>
+        <p:nvSpPr>
+          <p:cNvPr id="16" name="TextBox 15">
+            <a:extLst>
+              <a:ext uri="{FF2B5EF4-FFF2-40B4-BE49-F238E27FC236}">
+                <a16:creationId xmlns:a16="http://schemas.microsoft.com/office/drawing/2014/main" id="{0BF35A37-EC8E-4D9F-B1D4-F337211B27FD}"/>
+              </a:ext>
+            </a:extLst>
+          </p:cNvPr>
+          <p:cNvSpPr txBox="1"/>
+          <p:nvPr/>
+        </p:nvSpPr>
+        <p:spPr>
+          <a:xfrm>
+            <a:off x="3577388" y="3964995"/>
+            <a:ext cx="7576113" cy="1200329"/>
+          </a:xfrm>
+          <a:prstGeom prst="rect">
+            <a:avLst/>
+          </a:prstGeom>
+          <a:noFill/>
+        </p:spPr>
+        <p:txBody>
+          <a:bodyPr wrap="none" rtlCol="0">
+            <a:spAutoFit/>
+          </a:bodyPr>
+          <a:lstStyle/>
+          <a:p>
+            <a:pPr marL="342900" indent="-342900">
+              <a:buFont typeface="Arial" panose="020B0604020202020204" pitchFamily="34" charset="0"/>
+              <a:buChar char="•"/>
+            </a:pPr>
+            <a:r>
+              <a:rPr lang="en-US" sz="2400" dirty="0">
+                <a:latin typeface="Berlin Sans FB" panose="020E0602020502020306" pitchFamily="34" charset="0"/>
+              </a:rPr>
+              <a:t>Combination of Android Studio and React Native</a:t>
+            </a:r>
+          </a:p>
+          <a:p>
+            <a:pPr marL="342900" indent="-342900">
+              <a:buFont typeface="Arial" panose="020B0604020202020204" pitchFamily="34" charset="0"/>
+              <a:buChar char="•"/>
+            </a:pPr>
+            <a:r>
+              <a:rPr lang="en-US" sz="2400" dirty="0">
+                <a:latin typeface="Berlin Sans FB" panose="020E0602020502020306" pitchFamily="34" charset="0"/>
+              </a:rPr>
+              <a:t>Setting up emulator </a:t>
+            </a:r>
+            <a:r>
+              <a:rPr lang="en-US" sz="2400" dirty="0" err="1">
+                <a:latin typeface="Berlin Sans FB" panose="020E0602020502020306" pitchFamily="34" charset="0"/>
+              </a:rPr>
+              <a:t>etc</a:t>
+            </a:r>
+            <a:endParaRPr lang="en-US" sz="2400" dirty="0">
+              <a:latin typeface="Berlin Sans FB" panose="020E0602020502020306" pitchFamily="34" charset="0"/>
+            </a:endParaRPr>
+          </a:p>
+          <a:p>
+            <a:pPr marL="342900" indent="-342900">
+              <a:buFont typeface="Arial" panose="020B0604020202020204" pitchFamily="34" charset="0"/>
+              <a:buChar char="•"/>
+            </a:pPr>
+            <a:r>
+              <a:rPr lang="en-US" sz="2400" dirty="0">
+                <a:latin typeface="Berlin Sans FB" panose="020E0602020502020306" pitchFamily="34" charset="0"/>
+              </a:rPr>
+              <a:t>Created multiple style sheets (should have written first!)</a:t>
+            </a:r>
+            <a:endParaRPr lang="en-US" sz="4000" dirty="0">
+              <a:latin typeface="Berlin Sans FB" panose="020E0602020502020306" pitchFamily="34" charset="0"/>
+            </a:endParaRPr>
           </a:p>
         </p:txBody>
       </p:sp>
     </p:spTree>
     <p:extLst>
       <p:ext uri="{BB962C8B-B14F-4D97-AF65-F5344CB8AC3E}">
-        <p14:creationId xmlns:p14="http://schemas.microsoft.com/office/powerpoint/2010/main" val="3697189105"/>
+        <p14:creationId xmlns:p14="http://schemas.microsoft.com/office/powerpoint/2010/main" val="3132318054"/>
       </p:ext>
     </p:extLst>
   </p:cSld>
@@ -3607,6 +3766,162 @@
 </file>
 
 <file path=ppt/slides/slide12.xml><?xml version="1.0" encoding="utf-8"?>
+<p:sld xmlns:a="http://schemas.openxmlformats.org/drawingml/2006/main" xmlns:r="http://schemas.openxmlformats.org/officeDocument/2006/relationships" xmlns:p="http://schemas.openxmlformats.org/presentationml/2006/main">
+  <p:cSld>
+    <p:bg>
+      <p:bgPr>
+        <a:blipFill dpi="0" rotWithShape="1">
+          <a:blip r:embed="rId2">
+            <a:lum/>
+          </a:blip>
+          <a:srcRect/>
+          <a:stretch>
+            <a:fillRect t="-10000" b="-10000"/>
+          </a:stretch>
+        </a:blipFill>
+        <a:effectLst/>
+      </p:bgPr>
+    </p:bg>
+    <p:spTree>
+      <p:nvGrpSpPr>
+        <p:cNvPr id="1" name=""/>
+        <p:cNvGrpSpPr/>
+        <p:nvPr/>
+      </p:nvGrpSpPr>
+      <p:grpSpPr>
+        <a:xfrm>
+          <a:off x="0" y="0"/>
+          <a:ext cx="0" cy="0"/>
+          <a:chOff x="0" y="0"/>
+          <a:chExt cx="0" cy="0"/>
+        </a:xfrm>
+      </p:grpSpPr>
+      <p:sp>
+        <p:nvSpPr>
+          <p:cNvPr id="4" name="TextBox 3">
+            <a:extLst>
+              <a:ext uri="{FF2B5EF4-FFF2-40B4-BE49-F238E27FC236}">
+                <a16:creationId xmlns:a16="http://schemas.microsoft.com/office/drawing/2014/main" id="{4FBEE289-7DE0-4226-A118-0C7BF9A6AC45}"/>
+              </a:ext>
+            </a:extLst>
+          </p:cNvPr>
+          <p:cNvSpPr txBox="1"/>
+          <p:nvPr/>
+        </p:nvSpPr>
+        <p:spPr>
+          <a:xfrm>
+            <a:off x="4177844" y="5315922"/>
+            <a:ext cx="3836307" cy="707886"/>
+          </a:xfrm>
+          <a:prstGeom prst="rect">
+            <a:avLst/>
+          </a:prstGeom>
+          <a:noFill/>
+        </p:spPr>
+        <p:txBody>
+          <a:bodyPr wrap="none" rtlCol="0">
+            <a:spAutoFit/>
+          </a:bodyPr>
+          <a:lstStyle/>
+          <a:p>
+            <a:pPr algn="ctr"/>
+            <a:r>
+              <a:rPr lang="en-US" sz="4000" dirty="0">
+                <a:latin typeface="Berlin Sans FB" panose="020E0602020502020306" pitchFamily="34" charset="0"/>
+              </a:rPr>
+              <a:t>STAY HUNGRY!!!</a:t>
+            </a:r>
+          </a:p>
+        </p:txBody>
+      </p:sp>
+      <p:sp>
+        <p:nvSpPr>
+          <p:cNvPr id="5" name="TextBox 4">
+            <a:extLst>
+              <a:ext uri="{FF2B5EF4-FFF2-40B4-BE49-F238E27FC236}">
+                <a16:creationId xmlns:a16="http://schemas.microsoft.com/office/drawing/2014/main" id="{18CEDF5C-A77E-48DD-9ADE-E41DE0F76CE3}"/>
+              </a:ext>
+            </a:extLst>
+          </p:cNvPr>
+          <p:cNvSpPr txBox="1"/>
+          <p:nvPr/>
+        </p:nvSpPr>
+        <p:spPr>
+          <a:xfrm>
+            <a:off x="4566574" y="6023808"/>
+            <a:ext cx="3058851" cy="707886"/>
+          </a:xfrm>
+          <a:prstGeom prst="rect">
+            <a:avLst/>
+          </a:prstGeom>
+          <a:noFill/>
+        </p:spPr>
+        <p:txBody>
+          <a:bodyPr wrap="none" rtlCol="0">
+            <a:spAutoFit/>
+          </a:bodyPr>
+          <a:lstStyle/>
+          <a:p>
+            <a:r>
+              <a:rPr lang="en-US" sz="4000" dirty="0">
+                <a:latin typeface="Berlin Sans FB" panose="020E0602020502020306" pitchFamily="34" charset="0"/>
+              </a:rPr>
+              <a:t>AROOOOOO</a:t>
+            </a:r>
+          </a:p>
+        </p:txBody>
+      </p:sp>
+      <p:sp>
+        <p:nvSpPr>
+          <p:cNvPr id="6" name="TextBox 5">
+            <a:extLst>
+              <a:ext uri="{FF2B5EF4-FFF2-40B4-BE49-F238E27FC236}">
+                <a16:creationId xmlns:a16="http://schemas.microsoft.com/office/drawing/2014/main" id="{A728BE14-7506-4131-A7BC-61590533CC8C}"/>
+              </a:ext>
+            </a:extLst>
+          </p:cNvPr>
+          <p:cNvSpPr txBox="1"/>
+          <p:nvPr/>
+        </p:nvSpPr>
+        <p:spPr>
+          <a:xfrm>
+            <a:off x="4612259" y="399020"/>
+            <a:ext cx="2967479" cy="707886"/>
+          </a:xfrm>
+          <a:prstGeom prst="rect">
+            <a:avLst/>
+          </a:prstGeom>
+          <a:noFill/>
+        </p:spPr>
+        <p:txBody>
+          <a:bodyPr wrap="none" rtlCol="0">
+            <a:spAutoFit/>
+          </a:bodyPr>
+          <a:lstStyle/>
+          <a:p>
+            <a:r>
+              <a:rPr lang="en-US" sz="4000" dirty="0">
+                <a:latin typeface="Berlin Sans FB" panose="020E0602020502020306" pitchFamily="34" charset="0"/>
+              </a:rPr>
+              <a:t>THANK YOU</a:t>
+            </a:r>
+          </a:p>
+        </p:txBody>
+      </p:sp>
+    </p:spTree>
+    <p:extLst>
+      <p:ext uri="{BB962C8B-B14F-4D97-AF65-F5344CB8AC3E}">
+        <p14:creationId xmlns:p14="http://schemas.microsoft.com/office/powerpoint/2010/main" val="3284649117"/>
+      </p:ext>
+    </p:extLst>
+  </p:cSld>
+  <p:clrMapOvr>
+    <a:masterClrMapping/>
+  </p:clrMapOvr>
+</p:sld>
+</file>
+
+<file path=ppt/slides/slide2.xml><?xml version="1.0" encoding="utf-8"?>
 <p:sld xmlns:a="http://schemas.openxmlformats.org/drawingml/2006/main" xmlns:r="http://schemas.openxmlformats.org/officeDocument/2006/relationships" xmlns:p="http://schemas.openxmlformats.org/presentationml/2006/main">
   <p:cSld>
     <p:bg>
@@ -3637,60 +3952,90 @@
           <a:chExt cx="0" cy="0"/>
         </a:xfrm>
       </p:grpSpPr>
-      <p:sp>
-        <p:nvSpPr>
-          <p:cNvPr id="2" name="Title 1">
-            <a:extLst>
-              <a:ext uri="{FF2B5EF4-FFF2-40B4-BE49-F238E27FC236}">
-                <a16:creationId xmlns:a16="http://schemas.microsoft.com/office/drawing/2014/main" id="{CCDBF294-1027-481C-9C79-BA2AA02D8172}"/>
-              </a:ext>
-            </a:extLst>
-          </p:cNvPr>
-          <p:cNvSpPr>
-            <a:spLocks noGrp="1"/>
-          </p:cNvSpPr>
-          <p:nvPr>
-            <p:ph type="title"/>
-          </p:nvPr>
-        </p:nvSpPr>
-        <p:spPr/>
-        <p:txBody>
-          <a:bodyPr/>
-          <a:lstStyle/>
-          <a:p>
-            <a:endParaRPr lang="en-US"/>
-          </a:p>
-        </p:txBody>
-      </p:sp>
-      <p:sp>
-        <p:nvSpPr>
-          <p:cNvPr id="3" name="Content Placeholder 2">
-            <a:extLst>
-              <a:ext uri="{FF2B5EF4-FFF2-40B4-BE49-F238E27FC236}">
-                <a16:creationId xmlns:a16="http://schemas.microsoft.com/office/drawing/2014/main" id="{76111F91-4607-4FB6-A44E-CBE15886E744}"/>
-              </a:ext>
-            </a:extLst>
-          </p:cNvPr>
-          <p:cNvSpPr>
-            <a:spLocks noGrp="1"/>
-          </p:cNvSpPr>
-          <p:nvPr>
-            <p:ph idx="1"/>
-          </p:nvPr>
-        </p:nvSpPr>
-        <p:spPr/>
-        <p:txBody>
-          <a:bodyPr/>
-          <a:lstStyle/>
-          <a:p>
-            <a:endParaRPr lang="en-US"/>
+      <p:pic>
+        <p:nvPicPr>
+          <p:cNvPr id="4" name="Picture 3">
+            <a:extLst>
+              <a:ext uri="{FF2B5EF4-FFF2-40B4-BE49-F238E27FC236}">
+                <a16:creationId xmlns:a16="http://schemas.microsoft.com/office/drawing/2014/main" id="{5FC2251B-E751-419A-8AF7-013BCFB08D62}"/>
+              </a:ext>
+            </a:extLst>
+          </p:cNvPr>
+          <p:cNvPicPr>
+            <a:picLocks noChangeAspect="1"/>
+          </p:cNvPicPr>
+          <p:nvPr/>
+        </p:nvPicPr>
+        <p:blipFill>
+          <a:blip r:embed="rId3">
+            <a:extLst>
+              <a:ext uri="{28A0092B-C50C-407E-A947-70E740481C1C}">
+                <a14:useLocalDpi xmlns:a14="http://schemas.microsoft.com/office/drawing/2010/main" val="0"/>
+              </a:ext>
+            </a:extLst>
+          </a:blip>
+          <a:stretch>
+            <a:fillRect/>
+          </a:stretch>
+        </p:blipFill>
+        <p:spPr>
+          <a:xfrm>
+            <a:off x="4617753" y="632969"/>
+            <a:ext cx="5838252" cy="5592060"/>
+          </a:xfrm>
+          <a:prstGeom prst="rect">
+            <a:avLst/>
+          </a:prstGeom>
+        </p:spPr>
+      </p:pic>
+      <p:sp>
+        <p:nvSpPr>
+          <p:cNvPr id="5" name="Rectangle 4">
+            <a:extLst>
+              <a:ext uri="{FF2B5EF4-FFF2-40B4-BE49-F238E27FC236}">
+                <a16:creationId xmlns:a16="http://schemas.microsoft.com/office/drawing/2014/main" id="{44A158B2-9445-49A0-BFE3-6F9543832C3B}"/>
+              </a:ext>
+            </a:extLst>
+          </p:cNvPr>
+          <p:cNvSpPr/>
+          <p:nvPr/>
+        </p:nvSpPr>
+        <p:spPr>
+          <a:xfrm>
+            <a:off x="148599" y="3044279"/>
+            <a:ext cx="2624436" cy="769441"/>
+          </a:xfrm>
+          <a:prstGeom prst="rect">
+            <a:avLst/>
+          </a:prstGeom>
+        </p:spPr>
+        <p:txBody>
+          <a:bodyPr wrap="none">
+            <a:spAutoFit/>
+          </a:bodyPr>
+          <a:lstStyle/>
+          <a:p>
+            <a:r>
+              <a:rPr lang="en-US" sz="4400" dirty="0">
+                <a:solidFill>
+                  <a:schemeClr val="bg1"/>
+                </a:solidFill>
+                <a:latin typeface="Berlin Sans FB" panose="020E0602020502020306" pitchFamily="34" charset="0"/>
+              </a:rPr>
+              <a:t>MEMBERS</a:t>
+            </a:r>
+            <a:endParaRPr lang="en-US" sz="5400" dirty="0">
+              <a:solidFill>
+                <a:schemeClr val="bg1"/>
+              </a:solidFill>
+            </a:endParaRPr>
           </a:p>
         </p:txBody>
       </p:sp>
     </p:spTree>
     <p:extLst>
       <p:ext uri="{BB962C8B-B14F-4D97-AF65-F5344CB8AC3E}">
-        <p14:creationId xmlns:p14="http://schemas.microsoft.com/office/powerpoint/2010/main" val="1638617731"/>
+        <p14:creationId xmlns:p14="http://schemas.microsoft.com/office/powerpoint/2010/main" val="3737328592"/>
       </p:ext>
     </p:extLst>
   </p:cSld>
@@ -3700,7 +4045,7 @@
 </p:sld>
 </file>
 
-<file path=ppt/slides/slide13.xml><?xml version="1.0" encoding="utf-8"?>
+<file path=ppt/slides/slide3.xml><?xml version="1.0" encoding="utf-8"?>
 <p:sld xmlns:a="http://schemas.openxmlformats.org/drawingml/2006/main" xmlns:r="http://schemas.openxmlformats.org/officeDocument/2006/relationships" xmlns:p="http://schemas.openxmlformats.org/presentationml/2006/main">
   <p:cSld>
     <p:bg>
@@ -3733,58 +4078,347 @@
       </p:grpSpPr>
       <p:sp>
         <p:nvSpPr>
-          <p:cNvPr id="2" name="Title 1">
-            <a:extLst>
-              <a:ext uri="{FF2B5EF4-FFF2-40B4-BE49-F238E27FC236}">
-                <a16:creationId xmlns:a16="http://schemas.microsoft.com/office/drawing/2014/main" id="{487F3866-7035-4AFF-8E5F-EC31344E5014}"/>
-              </a:ext>
-            </a:extLst>
-          </p:cNvPr>
-          <p:cNvSpPr>
-            <a:spLocks noGrp="1"/>
-          </p:cNvSpPr>
-          <p:nvPr>
-            <p:ph type="title"/>
-          </p:nvPr>
-        </p:nvSpPr>
-        <p:spPr/>
-        <p:txBody>
-          <a:bodyPr/>
-          <a:lstStyle/>
-          <a:p>
-            <a:endParaRPr lang="en-US"/>
-          </a:p>
-        </p:txBody>
-      </p:sp>
-      <p:sp>
-        <p:nvSpPr>
-          <p:cNvPr id="3" name="Content Placeholder 2">
-            <a:extLst>
-              <a:ext uri="{FF2B5EF4-FFF2-40B4-BE49-F238E27FC236}">
-                <a16:creationId xmlns:a16="http://schemas.microsoft.com/office/drawing/2014/main" id="{58697AE8-C9D1-41DE-ACD9-BC857D69C613}"/>
-              </a:ext>
-            </a:extLst>
-          </p:cNvPr>
-          <p:cNvSpPr>
-            <a:spLocks noGrp="1"/>
-          </p:cNvSpPr>
-          <p:nvPr>
-            <p:ph idx="1"/>
-          </p:nvPr>
-        </p:nvSpPr>
-        <p:spPr/>
-        <p:txBody>
-          <a:bodyPr/>
-          <a:lstStyle/>
-          <a:p>
-            <a:endParaRPr lang="en-US"/>
+          <p:cNvPr id="5" name="Rectangle 4">
+            <a:extLst>
+              <a:ext uri="{FF2B5EF4-FFF2-40B4-BE49-F238E27FC236}">
+                <a16:creationId xmlns:a16="http://schemas.microsoft.com/office/drawing/2014/main" id="{44A158B2-9445-49A0-BFE3-6F9543832C3B}"/>
+              </a:ext>
+            </a:extLst>
+          </p:cNvPr>
+          <p:cNvSpPr/>
+          <p:nvPr/>
+        </p:nvSpPr>
+        <p:spPr>
+          <a:xfrm>
+            <a:off x="536532" y="3044279"/>
+            <a:ext cx="1846980" cy="769441"/>
+          </a:xfrm>
+          <a:prstGeom prst="rect">
+            <a:avLst/>
+          </a:prstGeom>
+        </p:spPr>
+        <p:txBody>
+          <a:bodyPr wrap="none">
+            <a:spAutoFit/>
+          </a:bodyPr>
+          <a:lstStyle/>
+          <a:p>
+            <a:r>
+              <a:rPr lang="en-US" sz="4400" dirty="0">
+                <a:solidFill>
+                  <a:schemeClr val="bg1"/>
+                </a:solidFill>
+                <a:latin typeface="Berlin Sans FB" panose="020E0602020502020306" pitchFamily="34" charset="0"/>
+              </a:rPr>
+              <a:t>TOOLS</a:t>
+            </a:r>
+            <a:endParaRPr lang="en-US" sz="5400" dirty="0">
+              <a:solidFill>
+                <a:schemeClr val="bg1"/>
+              </a:solidFill>
+            </a:endParaRPr>
+          </a:p>
+        </p:txBody>
+      </p:sp>
+      <p:pic>
+        <p:nvPicPr>
+          <p:cNvPr id="7" name="Picture 6">
+            <a:extLst>
+              <a:ext uri="{FF2B5EF4-FFF2-40B4-BE49-F238E27FC236}">
+                <a16:creationId xmlns:a16="http://schemas.microsoft.com/office/drawing/2014/main" id="{84D9D224-5E52-4C99-9B8A-C32C13E4E2FF}"/>
+              </a:ext>
+            </a:extLst>
+          </p:cNvPr>
+          <p:cNvPicPr>
+            <a:picLocks noChangeAspect="1"/>
+          </p:cNvPicPr>
+          <p:nvPr/>
+        </p:nvPicPr>
+        <p:blipFill>
+          <a:blip r:embed="rId3">
+            <a:extLst>
+              <a:ext uri="{28A0092B-C50C-407E-A947-70E740481C1C}">
+                <a14:useLocalDpi xmlns:a14="http://schemas.microsoft.com/office/drawing/2010/main" val="0"/>
+              </a:ext>
+            </a:extLst>
+          </a:blip>
+          <a:stretch>
+            <a:fillRect/>
+          </a:stretch>
+        </p:blipFill>
+        <p:spPr>
+          <a:xfrm>
+            <a:off x="7770721" y="3813720"/>
+            <a:ext cx="2011680" cy="2011680"/>
+          </a:xfrm>
+          <a:prstGeom prst="rect">
+            <a:avLst/>
+          </a:prstGeom>
+        </p:spPr>
+      </p:pic>
+      <p:pic>
+        <p:nvPicPr>
+          <p:cNvPr id="9" name="Picture 8">
+            <a:extLst>
+              <a:ext uri="{FF2B5EF4-FFF2-40B4-BE49-F238E27FC236}">
+                <a16:creationId xmlns:a16="http://schemas.microsoft.com/office/drawing/2014/main" id="{A5CC9E43-DF02-4DED-8F1E-F4752940440B}"/>
+              </a:ext>
+            </a:extLst>
+          </p:cNvPr>
+          <p:cNvPicPr>
+            <a:picLocks noChangeAspect="1"/>
+          </p:cNvPicPr>
+          <p:nvPr/>
+        </p:nvPicPr>
+        <p:blipFill rotWithShape="1">
+          <a:blip r:embed="rId4">
+            <a:extLst>
+              <a:ext uri="{28A0092B-C50C-407E-A947-70E740481C1C}">
+                <a14:useLocalDpi xmlns:a14="http://schemas.microsoft.com/office/drawing/2010/main" val="0"/>
+              </a:ext>
+            </a:extLst>
+          </a:blip>
+          <a:srcRect l="16483" t="11499" r="16188" b="26667"/>
+          <a:stretch/>
+        </p:blipFill>
+        <p:spPr>
+          <a:xfrm>
+            <a:off x="4469551" y="3813720"/>
+            <a:ext cx="2190463" cy="2011680"/>
+          </a:xfrm>
+          <a:prstGeom prst="rect">
+            <a:avLst/>
+          </a:prstGeom>
+        </p:spPr>
+      </p:pic>
+      <p:pic>
+        <p:nvPicPr>
+          <p:cNvPr id="11" name="Picture 10">
+            <a:extLst>
+              <a:ext uri="{FF2B5EF4-FFF2-40B4-BE49-F238E27FC236}">
+                <a16:creationId xmlns:a16="http://schemas.microsoft.com/office/drawing/2014/main" id="{0D5640BE-1588-4E66-90AC-E85E74669CE8}"/>
+              </a:ext>
+            </a:extLst>
+          </p:cNvPr>
+          <p:cNvPicPr>
+            <a:picLocks noChangeAspect="1"/>
+          </p:cNvPicPr>
+          <p:nvPr/>
+        </p:nvPicPr>
+        <p:blipFill>
+          <a:blip r:embed="rId5">
+            <a:extLst>
+              <a:ext uri="{28A0092B-C50C-407E-A947-70E740481C1C}">
+                <a14:useLocalDpi xmlns:a14="http://schemas.microsoft.com/office/drawing/2010/main" val="0"/>
+              </a:ext>
+            </a:extLst>
+          </a:blip>
+          <a:stretch>
+            <a:fillRect/>
+          </a:stretch>
+        </p:blipFill>
+        <p:spPr>
+          <a:xfrm>
+            <a:off x="7920025" y="670487"/>
+            <a:ext cx="1862376" cy="2011680"/>
+          </a:xfrm>
+          <a:prstGeom prst="rect">
+            <a:avLst/>
+          </a:prstGeom>
+        </p:spPr>
+      </p:pic>
+      <p:pic>
+        <p:nvPicPr>
+          <p:cNvPr id="13" name="Picture 12">
+            <a:extLst>
+              <a:ext uri="{FF2B5EF4-FFF2-40B4-BE49-F238E27FC236}">
+                <a16:creationId xmlns:a16="http://schemas.microsoft.com/office/drawing/2014/main" id="{E7A743C3-7139-4D71-8479-080DBA33C354}"/>
+              </a:ext>
+            </a:extLst>
+          </p:cNvPr>
+          <p:cNvPicPr>
+            <a:picLocks noChangeAspect="1"/>
+          </p:cNvPicPr>
+          <p:nvPr/>
+        </p:nvPicPr>
+        <p:blipFill>
+          <a:blip r:embed="rId6">
+            <a:extLst>
+              <a:ext uri="{28A0092B-C50C-407E-A947-70E740481C1C}">
+                <a14:useLocalDpi xmlns:a14="http://schemas.microsoft.com/office/drawing/2010/main" val="0"/>
+              </a:ext>
+            </a:extLst>
+          </a:blip>
+          <a:stretch>
+            <a:fillRect/>
+          </a:stretch>
+        </p:blipFill>
+        <p:spPr>
+          <a:xfrm>
+            <a:off x="4469551" y="670487"/>
+            <a:ext cx="2011680" cy="2011680"/>
+          </a:xfrm>
+          <a:prstGeom prst="rect">
+            <a:avLst/>
+          </a:prstGeom>
+        </p:spPr>
+      </p:pic>
+      <p:sp>
+        <p:nvSpPr>
+          <p:cNvPr id="14" name="Rectangle 13">
+            <a:extLst>
+              <a:ext uri="{FF2B5EF4-FFF2-40B4-BE49-F238E27FC236}">
+                <a16:creationId xmlns:a16="http://schemas.microsoft.com/office/drawing/2014/main" id="{6158B8FB-96D8-4E53-88C7-3513D8544F94}"/>
+              </a:ext>
+            </a:extLst>
+          </p:cNvPr>
+          <p:cNvSpPr/>
+          <p:nvPr/>
+        </p:nvSpPr>
+        <p:spPr>
+          <a:xfrm>
+            <a:off x="4378776" y="2730295"/>
+            <a:ext cx="2193229" cy="400110"/>
+          </a:xfrm>
+          <a:prstGeom prst="rect">
+            <a:avLst/>
+          </a:prstGeom>
+        </p:spPr>
+        <p:txBody>
+          <a:bodyPr wrap="none">
+            <a:spAutoFit/>
+          </a:bodyPr>
+          <a:lstStyle/>
+          <a:p>
+            <a:pPr algn="ctr"/>
+            <a:r>
+              <a:rPr lang="en-US" sz="2000" dirty="0">
+                <a:latin typeface="Berlin Sans FB" panose="020E0602020502020306" pitchFamily="34" charset="0"/>
+              </a:rPr>
+              <a:t>ANDROID STUDIO</a:t>
+            </a:r>
+            <a:endParaRPr lang="en-US" sz="2800" dirty="0"/>
+          </a:p>
+        </p:txBody>
+      </p:sp>
+      <p:sp>
+        <p:nvSpPr>
+          <p:cNvPr id="15" name="Rectangle 14">
+            <a:extLst>
+              <a:ext uri="{FF2B5EF4-FFF2-40B4-BE49-F238E27FC236}">
+                <a16:creationId xmlns:a16="http://schemas.microsoft.com/office/drawing/2014/main" id="{9068324B-B203-4533-90CC-CA913A1052E5}"/>
+              </a:ext>
+            </a:extLst>
+          </p:cNvPr>
+          <p:cNvSpPr/>
+          <p:nvPr/>
+        </p:nvSpPr>
+        <p:spPr>
+          <a:xfrm>
+            <a:off x="7909176" y="2729420"/>
+            <a:ext cx="1734770" cy="400110"/>
+          </a:xfrm>
+          <a:prstGeom prst="rect">
+            <a:avLst/>
+          </a:prstGeom>
+        </p:spPr>
+        <p:txBody>
+          <a:bodyPr wrap="none">
+            <a:spAutoFit/>
+          </a:bodyPr>
+          <a:lstStyle/>
+          <a:p>
+            <a:pPr algn="ctr"/>
+            <a:r>
+              <a:rPr lang="en-US" sz="2000" dirty="0">
+                <a:latin typeface="Berlin Sans FB" panose="020E0602020502020306" pitchFamily="34" charset="0"/>
+              </a:rPr>
+              <a:t>COREL DRAW</a:t>
+            </a:r>
+            <a:endParaRPr lang="en-US" sz="2800" dirty="0"/>
+          </a:p>
+        </p:txBody>
+      </p:sp>
+      <p:sp>
+        <p:nvSpPr>
+          <p:cNvPr id="16" name="Rectangle 15">
+            <a:extLst>
+              <a:ext uri="{FF2B5EF4-FFF2-40B4-BE49-F238E27FC236}">
+                <a16:creationId xmlns:a16="http://schemas.microsoft.com/office/drawing/2014/main" id="{697900CF-F92B-46D3-8713-35D6C08A9901}"/>
+              </a:ext>
+            </a:extLst>
+          </p:cNvPr>
+          <p:cNvSpPr/>
+          <p:nvPr/>
+        </p:nvSpPr>
+        <p:spPr>
+          <a:xfrm>
+            <a:off x="8223479" y="5787403"/>
+            <a:ext cx="1255472" cy="400110"/>
+          </a:xfrm>
+          <a:prstGeom prst="rect">
+            <a:avLst/>
+          </a:prstGeom>
+        </p:spPr>
+        <p:txBody>
+          <a:bodyPr wrap="none">
+            <a:spAutoFit/>
+          </a:bodyPr>
+          <a:lstStyle/>
+          <a:p>
+            <a:pPr algn="ctr"/>
+            <a:r>
+              <a:rPr lang="en-US" sz="2000" dirty="0">
+                <a:latin typeface="Berlin Sans FB" panose="020E0602020502020306" pitchFamily="34" charset="0"/>
+              </a:rPr>
+              <a:t>FIREBASE</a:t>
+            </a:r>
+            <a:endParaRPr lang="en-US" sz="2800" dirty="0"/>
+          </a:p>
+        </p:txBody>
+      </p:sp>
+      <p:sp>
+        <p:nvSpPr>
+          <p:cNvPr id="17" name="Rectangle 16">
+            <a:extLst>
+              <a:ext uri="{FF2B5EF4-FFF2-40B4-BE49-F238E27FC236}">
+                <a16:creationId xmlns:a16="http://schemas.microsoft.com/office/drawing/2014/main" id="{D7AAE4D2-959F-48B3-A409-744EBC21DB83}"/>
+              </a:ext>
+            </a:extLst>
+          </p:cNvPr>
+          <p:cNvSpPr/>
+          <p:nvPr/>
+        </p:nvSpPr>
+        <p:spPr>
+          <a:xfrm>
+            <a:off x="4559115" y="5787403"/>
+            <a:ext cx="1832553" cy="400110"/>
+          </a:xfrm>
+          <a:prstGeom prst="rect">
+            <a:avLst/>
+          </a:prstGeom>
+        </p:spPr>
+        <p:txBody>
+          <a:bodyPr wrap="none">
+            <a:spAutoFit/>
+          </a:bodyPr>
+          <a:lstStyle/>
+          <a:p>
+            <a:pPr algn="ctr"/>
+            <a:r>
+              <a:rPr lang="en-US" sz="2000" dirty="0">
+                <a:latin typeface="Berlin Sans FB" panose="020E0602020502020306" pitchFamily="34" charset="0"/>
+              </a:rPr>
+              <a:t>REACT NATIVE</a:t>
+            </a:r>
+            <a:endParaRPr lang="en-US" sz="2800" dirty="0"/>
           </a:p>
         </p:txBody>
       </p:sp>
     </p:spTree>
     <p:extLst>
       <p:ext uri="{BB962C8B-B14F-4D97-AF65-F5344CB8AC3E}">
-        <p14:creationId xmlns:p14="http://schemas.microsoft.com/office/powerpoint/2010/main" val="4233407582"/>
+        <p14:creationId xmlns:p14="http://schemas.microsoft.com/office/powerpoint/2010/main" val="537264146"/>
       </p:ext>
     </p:extLst>
   </p:cSld>
@@ -3794,7 +4428,7 @@
 </p:sld>
 </file>
 
-<file path=ppt/slides/slide14.xml><?xml version="1.0" encoding="utf-8"?>
+<file path=ppt/slides/slide4.xml><?xml version="1.0" encoding="utf-8"?>
 <p:sld xmlns:a="http://schemas.openxmlformats.org/drawingml/2006/main" xmlns:r="http://schemas.openxmlformats.org/officeDocument/2006/relationships" xmlns:p="http://schemas.openxmlformats.org/presentationml/2006/main">
   <p:cSld>
     <p:bg>
@@ -3827,58 +4461,447 @@
       </p:grpSpPr>
       <p:sp>
         <p:nvSpPr>
-          <p:cNvPr id="2" name="Title 1">
-            <a:extLst>
-              <a:ext uri="{FF2B5EF4-FFF2-40B4-BE49-F238E27FC236}">
-                <a16:creationId xmlns:a16="http://schemas.microsoft.com/office/drawing/2014/main" id="{66AE937A-FCE6-4740-B8F0-015534A8E371}"/>
-              </a:ext>
-            </a:extLst>
-          </p:cNvPr>
-          <p:cNvSpPr>
-            <a:spLocks noGrp="1"/>
-          </p:cNvSpPr>
-          <p:nvPr>
-            <p:ph type="title"/>
-          </p:nvPr>
-        </p:nvSpPr>
-        <p:spPr/>
-        <p:txBody>
-          <a:bodyPr/>
-          <a:lstStyle/>
-          <a:p>
-            <a:endParaRPr lang="en-US"/>
-          </a:p>
-        </p:txBody>
-      </p:sp>
-      <p:sp>
-        <p:nvSpPr>
-          <p:cNvPr id="3" name="Content Placeholder 2">
-            <a:extLst>
-              <a:ext uri="{FF2B5EF4-FFF2-40B4-BE49-F238E27FC236}">
-                <a16:creationId xmlns:a16="http://schemas.microsoft.com/office/drawing/2014/main" id="{556BA644-5CB7-4811-9CD1-FDA0590FC342}"/>
-              </a:ext>
-            </a:extLst>
-          </p:cNvPr>
-          <p:cNvSpPr>
-            <a:spLocks noGrp="1"/>
-          </p:cNvSpPr>
-          <p:nvPr>
-            <p:ph idx="1"/>
-          </p:nvPr>
-        </p:nvSpPr>
-        <p:spPr/>
-        <p:txBody>
-          <a:bodyPr/>
-          <a:lstStyle/>
-          <a:p>
-            <a:endParaRPr lang="en-US"/>
+          <p:cNvPr id="5" name="Rectangle 4">
+            <a:extLst>
+              <a:ext uri="{FF2B5EF4-FFF2-40B4-BE49-F238E27FC236}">
+                <a16:creationId xmlns:a16="http://schemas.microsoft.com/office/drawing/2014/main" id="{44A158B2-9445-49A0-BFE3-6F9543832C3B}"/>
+              </a:ext>
+            </a:extLst>
+          </p:cNvPr>
+          <p:cNvSpPr/>
+          <p:nvPr/>
+        </p:nvSpPr>
+        <p:spPr>
+          <a:xfrm>
+            <a:off x="472790" y="2367171"/>
+            <a:ext cx="1856597" cy="2123658"/>
+          </a:xfrm>
+          <a:prstGeom prst="rect">
+            <a:avLst/>
+          </a:prstGeom>
+        </p:spPr>
+        <p:txBody>
+          <a:bodyPr wrap="none">
+            <a:spAutoFit/>
+          </a:bodyPr>
+          <a:lstStyle/>
+          <a:p>
+            <a:pPr algn="ctr"/>
+            <a:r>
+              <a:rPr lang="en-US" sz="4400" dirty="0">
+                <a:solidFill>
+                  <a:schemeClr val="bg1"/>
+                </a:solidFill>
+                <a:latin typeface="Berlin Sans FB" panose="020E0602020502020306" pitchFamily="34" charset="0"/>
+              </a:rPr>
+              <a:t>5</a:t>
+            </a:r>
+          </a:p>
+          <a:p>
+            <a:pPr algn="ctr"/>
+            <a:r>
+              <a:rPr lang="en-US" sz="4400" dirty="0">
+                <a:solidFill>
+                  <a:schemeClr val="bg1"/>
+                </a:solidFill>
+                <a:latin typeface="Berlin Sans FB" panose="020E0602020502020306" pitchFamily="34" charset="0"/>
+              </a:rPr>
+              <a:t>APPS</a:t>
+            </a:r>
+          </a:p>
+          <a:p>
+            <a:pPr algn="ctr"/>
+            <a:r>
+              <a:rPr lang="en-US" sz="4400" dirty="0">
+                <a:solidFill>
+                  <a:schemeClr val="bg1"/>
+                </a:solidFill>
+                <a:latin typeface="Berlin Sans FB" panose="020E0602020502020306" pitchFamily="34" charset="0"/>
+              </a:rPr>
+              <a:t>PAGES</a:t>
+            </a:r>
+            <a:endParaRPr lang="en-US" sz="5400" dirty="0">
+              <a:solidFill>
+                <a:schemeClr val="bg1"/>
+              </a:solidFill>
+            </a:endParaRPr>
+          </a:p>
+        </p:txBody>
+      </p:sp>
+      <p:pic>
+        <p:nvPicPr>
+          <p:cNvPr id="12" name="Picture 11">
+            <a:extLst>
+              <a:ext uri="{FF2B5EF4-FFF2-40B4-BE49-F238E27FC236}">
+                <a16:creationId xmlns:a16="http://schemas.microsoft.com/office/drawing/2014/main" id="{19A3F956-5DEE-4846-A837-83CCE0296816}"/>
+              </a:ext>
+            </a:extLst>
+          </p:cNvPr>
+          <p:cNvPicPr>
+            <a:picLocks noChangeAspect="1"/>
+          </p:cNvPicPr>
+          <p:nvPr/>
+        </p:nvPicPr>
+        <p:blipFill>
+          <a:blip r:embed="rId3">
+            <a:extLst>
+              <a:ext uri="{28A0092B-C50C-407E-A947-70E740481C1C}">
+                <a14:useLocalDpi xmlns:a14="http://schemas.microsoft.com/office/drawing/2010/main" val="0"/>
+              </a:ext>
+            </a:extLst>
+          </a:blip>
+          <a:stretch>
+            <a:fillRect/>
+          </a:stretch>
+        </p:blipFill>
+        <p:spPr>
+          <a:xfrm>
+            <a:off x="7803225" y="4022558"/>
+            <a:ext cx="1857023" cy="1371600"/>
+          </a:xfrm>
+          <a:prstGeom prst="rect">
+            <a:avLst/>
+          </a:prstGeom>
+        </p:spPr>
+      </p:pic>
+      <p:pic>
+        <p:nvPicPr>
+          <p:cNvPr id="18" name="Picture 17">
+            <a:extLst>
+              <a:ext uri="{FF2B5EF4-FFF2-40B4-BE49-F238E27FC236}">
+                <a16:creationId xmlns:a16="http://schemas.microsoft.com/office/drawing/2014/main" id="{F2E282B9-5E9A-415F-8EE9-466698E30D6A}"/>
+              </a:ext>
+            </a:extLst>
+          </p:cNvPr>
+          <p:cNvPicPr>
+            <a:picLocks noChangeAspect="1"/>
+          </p:cNvPicPr>
+          <p:nvPr/>
+        </p:nvPicPr>
+        <p:blipFill>
+          <a:blip r:embed="rId4">
+            <a:extLst>
+              <a:ext uri="{28A0092B-C50C-407E-A947-70E740481C1C}">
+                <a14:useLocalDpi xmlns:a14="http://schemas.microsoft.com/office/drawing/2010/main" val="0"/>
+              </a:ext>
+            </a:extLst>
+          </a:blip>
+          <a:stretch>
+            <a:fillRect/>
+          </a:stretch>
+        </p:blipFill>
+        <p:spPr>
+          <a:xfrm>
+            <a:off x="6448558" y="1279358"/>
+            <a:ext cx="1354667" cy="1371600"/>
+          </a:xfrm>
+          <a:prstGeom prst="rect">
+            <a:avLst/>
+          </a:prstGeom>
+        </p:spPr>
+      </p:pic>
+      <p:pic>
+        <p:nvPicPr>
+          <p:cNvPr id="19" name="Picture 18">
+            <a:extLst>
+              <a:ext uri="{FF2B5EF4-FFF2-40B4-BE49-F238E27FC236}">
+                <a16:creationId xmlns:a16="http://schemas.microsoft.com/office/drawing/2014/main" id="{AC6D21F7-46F9-49F3-B2F8-D60E710B6F88}"/>
+              </a:ext>
+            </a:extLst>
+          </p:cNvPr>
+          <p:cNvPicPr>
+            <a:picLocks noChangeAspect="1"/>
+          </p:cNvPicPr>
+          <p:nvPr/>
+        </p:nvPicPr>
+        <p:blipFill>
+          <a:blip r:embed="rId5">
+            <a:extLst>
+              <a:ext uri="{28A0092B-C50C-407E-A947-70E740481C1C}">
+                <a14:useLocalDpi xmlns:a14="http://schemas.microsoft.com/office/drawing/2010/main" val="0"/>
+              </a:ext>
+            </a:extLst>
+          </a:blip>
+          <a:stretch>
+            <a:fillRect/>
+          </a:stretch>
+        </p:blipFill>
+        <p:spPr>
+          <a:xfrm>
+            <a:off x="9260459" y="1279358"/>
+            <a:ext cx="1044222" cy="1371600"/>
+          </a:xfrm>
+          <a:prstGeom prst="rect">
+            <a:avLst/>
+          </a:prstGeom>
+        </p:spPr>
+      </p:pic>
+      <p:pic>
+        <p:nvPicPr>
+          <p:cNvPr id="20" name="Picture 19">
+            <a:extLst>
+              <a:ext uri="{FF2B5EF4-FFF2-40B4-BE49-F238E27FC236}">
+                <a16:creationId xmlns:a16="http://schemas.microsoft.com/office/drawing/2014/main" id="{891E1D6C-0DE2-4421-B904-71D89DBB3C62}"/>
+              </a:ext>
+            </a:extLst>
+          </p:cNvPr>
+          <p:cNvPicPr>
+            <a:picLocks noChangeAspect="1"/>
+          </p:cNvPicPr>
+          <p:nvPr/>
+        </p:nvPicPr>
+        <p:blipFill>
+          <a:blip r:embed="rId6">
+            <a:extLst>
+              <a:ext uri="{28A0092B-C50C-407E-A947-70E740481C1C}">
+                <a14:useLocalDpi xmlns:a14="http://schemas.microsoft.com/office/drawing/2010/main" val="0"/>
+              </a:ext>
+            </a:extLst>
+          </a:blip>
+          <a:stretch>
+            <a:fillRect/>
+          </a:stretch>
+        </p:blipFill>
+        <p:spPr>
+          <a:xfrm>
+            <a:off x="4619757" y="4022558"/>
+            <a:ext cx="1828801" cy="1371600"/>
+          </a:xfrm>
+          <a:prstGeom prst="rect">
+            <a:avLst/>
+          </a:prstGeom>
+        </p:spPr>
+      </p:pic>
+      <p:pic>
+        <p:nvPicPr>
+          <p:cNvPr id="21" name="Picture 20">
+            <a:extLst>
+              <a:ext uri="{FF2B5EF4-FFF2-40B4-BE49-F238E27FC236}">
+                <a16:creationId xmlns:a16="http://schemas.microsoft.com/office/drawing/2014/main" id="{7066E439-2279-427A-8712-F6D43218D2FD}"/>
+              </a:ext>
+            </a:extLst>
+          </p:cNvPr>
+          <p:cNvPicPr>
+            <a:picLocks noChangeAspect="1"/>
+          </p:cNvPicPr>
+          <p:nvPr/>
+        </p:nvPicPr>
+        <p:blipFill>
+          <a:blip r:embed="rId7">
+            <a:extLst>
+              <a:ext uri="{28A0092B-C50C-407E-A947-70E740481C1C}">
+                <a14:useLocalDpi xmlns:a14="http://schemas.microsoft.com/office/drawing/2010/main" val="0"/>
+              </a:ext>
+            </a:extLst>
+          </a:blip>
+          <a:stretch>
+            <a:fillRect/>
+          </a:stretch>
+        </p:blipFill>
+        <p:spPr>
+          <a:xfrm>
+            <a:off x="4172879" y="1279358"/>
+            <a:ext cx="818445" cy="1371600"/>
+          </a:xfrm>
+          <a:prstGeom prst="rect">
+            <a:avLst/>
+          </a:prstGeom>
+        </p:spPr>
+      </p:pic>
+      <p:sp>
+        <p:nvSpPr>
+          <p:cNvPr id="23" name="Rectangle 22">
+            <a:extLst>
+              <a:ext uri="{FF2B5EF4-FFF2-40B4-BE49-F238E27FC236}">
+                <a16:creationId xmlns:a16="http://schemas.microsoft.com/office/drawing/2014/main" id="{ACFA27DD-F1C2-4E63-B396-3D1EC30C63C3}"/>
+              </a:ext>
+            </a:extLst>
+          </p:cNvPr>
+          <p:cNvSpPr/>
+          <p:nvPr/>
+        </p:nvSpPr>
+        <p:spPr>
+          <a:xfrm>
+            <a:off x="4172879" y="2764667"/>
+            <a:ext cx="830677" cy="400110"/>
+          </a:xfrm>
+          <a:prstGeom prst="rect">
+            <a:avLst/>
+          </a:prstGeom>
+        </p:spPr>
+        <p:txBody>
+          <a:bodyPr wrap="none">
+            <a:spAutoFit/>
+          </a:bodyPr>
+          <a:lstStyle/>
+          <a:p>
+            <a:pPr algn="ctr"/>
+            <a:r>
+              <a:rPr lang="en-US" sz="2000" dirty="0">
+                <a:latin typeface="Berlin Sans FB" panose="020E0602020502020306" pitchFamily="34" charset="0"/>
+              </a:rPr>
+              <a:t>PLAN</a:t>
+            </a:r>
+            <a:endParaRPr lang="en-US" sz="2800" dirty="0"/>
+          </a:p>
+        </p:txBody>
+      </p:sp>
+      <p:sp>
+        <p:nvSpPr>
+          <p:cNvPr id="24" name="Rectangle 23">
+            <a:extLst>
+              <a:ext uri="{FF2B5EF4-FFF2-40B4-BE49-F238E27FC236}">
+                <a16:creationId xmlns:a16="http://schemas.microsoft.com/office/drawing/2014/main" id="{69B5F618-6313-40B2-885B-E6ADFF399B1A}"/>
+              </a:ext>
+            </a:extLst>
+          </p:cNvPr>
+          <p:cNvSpPr/>
+          <p:nvPr/>
+        </p:nvSpPr>
+        <p:spPr>
+          <a:xfrm>
+            <a:off x="9081898" y="2764667"/>
+            <a:ext cx="1401346" cy="400110"/>
+          </a:xfrm>
+          <a:prstGeom prst="rect">
+            <a:avLst/>
+          </a:prstGeom>
+        </p:spPr>
+        <p:txBody>
+          <a:bodyPr wrap="none">
+            <a:spAutoFit/>
+          </a:bodyPr>
+          <a:lstStyle/>
+          <a:p>
+            <a:pPr algn="ctr"/>
+            <a:r>
+              <a:rPr lang="en-US" sz="2000" dirty="0">
+                <a:latin typeface="Berlin Sans FB" panose="020E0602020502020306" pitchFamily="34" charset="0"/>
+              </a:rPr>
+              <a:t>ABOUT ME</a:t>
+            </a:r>
+            <a:endParaRPr lang="en-US" sz="2800" dirty="0"/>
+          </a:p>
+        </p:txBody>
+      </p:sp>
+      <p:sp>
+        <p:nvSpPr>
+          <p:cNvPr id="25" name="Rectangle 24">
+            <a:extLst>
+              <a:ext uri="{FF2B5EF4-FFF2-40B4-BE49-F238E27FC236}">
+                <a16:creationId xmlns:a16="http://schemas.microsoft.com/office/drawing/2014/main" id="{72F3420C-EC7B-4A58-B31D-6BD1DA847FF4}"/>
+              </a:ext>
+            </a:extLst>
+          </p:cNvPr>
+          <p:cNvSpPr/>
+          <p:nvPr/>
+        </p:nvSpPr>
+        <p:spPr>
+          <a:xfrm>
+            <a:off x="6462089" y="2764667"/>
+            <a:ext cx="1327608" cy="400110"/>
+          </a:xfrm>
+          <a:prstGeom prst="rect">
+            <a:avLst/>
+          </a:prstGeom>
+        </p:spPr>
+        <p:txBody>
+          <a:bodyPr wrap="none">
+            <a:spAutoFit/>
+          </a:bodyPr>
+          <a:lstStyle/>
+          <a:p>
+            <a:pPr algn="ctr"/>
+            <a:r>
+              <a:rPr lang="en-US" sz="2000" dirty="0">
+                <a:latin typeface="Berlin Sans FB" panose="020E0602020502020306" pitchFamily="34" charset="0"/>
+              </a:rPr>
+              <a:t>DISCOVER</a:t>
+            </a:r>
+            <a:endParaRPr lang="en-US" sz="2800" dirty="0"/>
+          </a:p>
+        </p:txBody>
+      </p:sp>
+      <p:sp>
+        <p:nvSpPr>
+          <p:cNvPr id="26" name="Rectangle 25">
+            <a:extLst>
+              <a:ext uri="{FF2B5EF4-FFF2-40B4-BE49-F238E27FC236}">
+                <a16:creationId xmlns:a16="http://schemas.microsoft.com/office/drawing/2014/main" id="{5ACEA5FF-DC5F-4328-9F49-6AE92F87D06C}"/>
+              </a:ext>
+            </a:extLst>
+          </p:cNvPr>
+          <p:cNvSpPr/>
+          <p:nvPr/>
+        </p:nvSpPr>
+        <p:spPr>
+          <a:xfrm>
+            <a:off x="8321207" y="5578642"/>
+            <a:ext cx="821059" cy="400110"/>
+          </a:xfrm>
+          <a:prstGeom prst="rect">
+            <a:avLst/>
+          </a:prstGeom>
+        </p:spPr>
+        <p:txBody>
+          <a:bodyPr wrap="none">
+            <a:spAutoFit/>
+          </a:bodyPr>
+          <a:lstStyle/>
+          <a:p>
+            <a:pPr algn="ctr"/>
+            <a:r>
+              <a:rPr lang="en-US" sz="2000" dirty="0">
+                <a:latin typeface="Berlin Sans FB" panose="020E0602020502020306" pitchFamily="34" charset="0"/>
+              </a:rPr>
+              <a:t>CHAT</a:t>
+            </a:r>
+            <a:endParaRPr lang="en-US" sz="2800" dirty="0"/>
+          </a:p>
+        </p:txBody>
+      </p:sp>
+      <p:sp>
+        <p:nvSpPr>
+          <p:cNvPr id="27" name="Rectangle 26">
+            <a:extLst>
+              <a:ext uri="{FF2B5EF4-FFF2-40B4-BE49-F238E27FC236}">
+                <a16:creationId xmlns:a16="http://schemas.microsoft.com/office/drawing/2014/main" id="{A1D635CD-CF08-4CC4-B988-AB3F9C5251A0}"/>
+              </a:ext>
+            </a:extLst>
+          </p:cNvPr>
+          <p:cNvSpPr/>
+          <p:nvPr/>
+        </p:nvSpPr>
+        <p:spPr>
+          <a:xfrm>
+            <a:off x="4879973" y="5578642"/>
+            <a:ext cx="1308371" cy="400110"/>
+          </a:xfrm>
+          <a:prstGeom prst="rect">
+            <a:avLst/>
+          </a:prstGeom>
+        </p:spPr>
+        <p:txBody>
+          <a:bodyPr wrap="none">
+            <a:spAutoFit/>
+          </a:bodyPr>
+          <a:lstStyle/>
+          <a:p>
+            <a:pPr algn="ctr"/>
+            <a:r>
+              <a:rPr lang="en-US" sz="2000" dirty="0">
+                <a:latin typeface="Berlin Sans FB" panose="020E0602020502020306" pitchFamily="34" charset="0"/>
+              </a:rPr>
+              <a:t>MY DIARY</a:t>
+            </a:r>
+            <a:endParaRPr lang="en-US" sz="2800" dirty="0"/>
           </a:p>
         </p:txBody>
       </p:sp>
     </p:spTree>
     <p:extLst>
       <p:ext uri="{BB962C8B-B14F-4D97-AF65-F5344CB8AC3E}">
-        <p14:creationId xmlns:p14="http://schemas.microsoft.com/office/powerpoint/2010/main" val="3171591238"/>
+        <p14:creationId xmlns:p14="http://schemas.microsoft.com/office/powerpoint/2010/main" val="2825813347"/>
       </p:ext>
     </p:extLst>
   </p:cSld>
@@ -3888,195 +4911,7 @@
 </p:sld>
 </file>
 
-<file path=ppt/slides/slide15.xml><?xml version="1.0" encoding="utf-8"?>
-<p:sld xmlns:a="http://schemas.openxmlformats.org/drawingml/2006/main" xmlns:r="http://schemas.openxmlformats.org/officeDocument/2006/relationships" xmlns:p="http://schemas.openxmlformats.org/presentationml/2006/main">
-  <p:cSld>
-    <p:bg>
-      <p:bgPr>
-        <a:blipFill dpi="0" rotWithShape="1">
-          <a:blip r:embed="rId2">
-            <a:lum/>
-          </a:blip>
-          <a:srcRect/>
-          <a:stretch>
-            <a:fillRect/>
-          </a:stretch>
-        </a:blipFill>
-        <a:effectLst/>
-      </p:bgPr>
-    </p:bg>
-    <p:spTree>
-      <p:nvGrpSpPr>
-        <p:cNvPr id="1" name=""/>
-        <p:cNvGrpSpPr/>
-        <p:nvPr/>
-      </p:nvGrpSpPr>
-      <p:grpSpPr>
-        <a:xfrm>
-          <a:off x="0" y="0"/>
-          <a:ext cx="0" cy="0"/>
-          <a:chOff x="0" y="0"/>
-          <a:chExt cx="0" cy="0"/>
-        </a:xfrm>
-      </p:grpSpPr>
-      <p:sp>
-        <p:nvSpPr>
-          <p:cNvPr id="2" name="Title 1">
-            <a:extLst>
-              <a:ext uri="{FF2B5EF4-FFF2-40B4-BE49-F238E27FC236}">
-                <a16:creationId xmlns:a16="http://schemas.microsoft.com/office/drawing/2014/main" id="{637CDED0-7676-49B9-BDB3-6968635B536E}"/>
-              </a:ext>
-            </a:extLst>
-          </p:cNvPr>
-          <p:cNvSpPr>
-            <a:spLocks noGrp="1"/>
-          </p:cNvSpPr>
-          <p:nvPr>
-            <p:ph type="title"/>
-          </p:nvPr>
-        </p:nvSpPr>
-        <p:spPr/>
-        <p:txBody>
-          <a:bodyPr/>
-          <a:lstStyle/>
-          <a:p>
-            <a:endParaRPr lang="en-US"/>
-          </a:p>
-        </p:txBody>
-      </p:sp>
-      <p:sp>
-        <p:nvSpPr>
-          <p:cNvPr id="3" name="Content Placeholder 2">
-            <a:extLst>
-              <a:ext uri="{FF2B5EF4-FFF2-40B4-BE49-F238E27FC236}">
-                <a16:creationId xmlns:a16="http://schemas.microsoft.com/office/drawing/2014/main" id="{F7BBFEB0-BF60-4648-9B80-FC83628506BE}"/>
-              </a:ext>
-            </a:extLst>
-          </p:cNvPr>
-          <p:cNvSpPr>
-            <a:spLocks noGrp="1"/>
-          </p:cNvSpPr>
-          <p:nvPr>
-            <p:ph idx="1"/>
-          </p:nvPr>
-        </p:nvSpPr>
-        <p:spPr/>
-        <p:txBody>
-          <a:bodyPr/>
-          <a:lstStyle/>
-          <a:p>
-            <a:endParaRPr lang="en-US"/>
-          </a:p>
-        </p:txBody>
-      </p:sp>
-    </p:spTree>
-    <p:extLst>
-      <p:ext uri="{BB962C8B-B14F-4D97-AF65-F5344CB8AC3E}">
-        <p14:creationId xmlns:p14="http://schemas.microsoft.com/office/powerpoint/2010/main" val="1161305731"/>
-      </p:ext>
-    </p:extLst>
-  </p:cSld>
-  <p:clrMapOvr>
-    <a:masterClrMapping/>
-  </p:clrMapOvr>
-</p:sld>
-</file>
-
-<file path=ppt/slides/slide16.xml><?xml version="1.0" encoding="utf-8"?>
-<p:sld xmlns:a="http://schemas.openxmlformats.org/drawingml/2006/main" xmlns:r="http://schemas.openxmlformats.org/officeDocument/2006/relationships" xmlns:p="http://schemas.openxmlformats.org/presentationml/2006/main">
-  <p:cSld>
-    <p:bg>
-      <p:bgPr>
-        <a:blipFill dpi="0" rotWithShape="1">
-          <a:blip r:embed="rId2">
-            <a:lum/>
-          </a:blip>
-          <a:srcRect/>
-          <a:stretch>
-            <a:fillRect/>
-          </a:stretch>
-        </a:blipFill>
-        <a:effectLst/>
-      </p:bgPr>
-    </p:bg>
-    <p:spTree>
-      <p:nvGrpSpPr>
-        <p:cNvPr id="1" name=""/>
-        <p:cNvGrpSpPr/>
-        <p:nvPr/>
-      </p:nvGrpSpPr>
-      <p:grpSpPr>
-        <a:xfrm>
-          <a:off x="0" y="0"/>
-          <a:ext cx="0" cy="0"/>
-          <a:chOff x="0" y="0"/>
-          <a:chExt cx="0" cy="0"/>
-        </a:xfrm>
-      </p:grpSpPr>
-      <p:sp>
-        <p:nvSpPr>
-          <p:cNvPr id="2" name="Title 1">
-            <a:extLst>
-              <a:ext uri="{FF2B5EF4-FFF2-40B4-BE49-F238E27FC236}">
-                <a16:creationId xmlns:a16="http://schemas.microsoft.com/office/drawing/2014/main" id="{3F851CB2-FA2B-4CB2-B942-505B6991F86E}"/>
-              </a:ext>
-            </a:extLst>
-          </p:cNvPr>
-          <p:cNvSpPr>
-            <a:spLocks noGrp="1"/>
-          </p:cNvSpPr>
-          <p:nvPr>
-            <p:ph type="title"/>
-          </p:nvPr>
-        </p:nvSpPr>
-        <p:spPr/>
-        <p:txBody>
-          <a:bodyPr/>
-          <a:lstStyle/>
-          <a:p>
-            <a:endParaRPr lang="en-US"/>
-          </a:p>
-        </p:txBody>
-      </p:sp>
-      <p:sp>
-        <p:nvSpPr>
-          <p:cNvPr id="3" name="Content Placeholder 2">
-            <a:extLst>
-              <a:ext uri="{FF2B5EF4-FFF2-40B4-BE49-F238E27FC236}">
-                <a16:creationId xmlns:a16="http://schemas.microsoft.com/office/drawing/2014/main" id="{C2B8B3E8-5467-4225-82D9-491648060E8B}"/>
-              </a:ext>
-            </a:extLst>
-          </p:cNvPr>
-          <p:cNvSpPr>
-            <a:spLocks noGrp="1"/>
-          </p:cNvSpPr>
-          <p:nvPr>
-            <p:ph idx="1"/>
-          </p:nvPr>
-        </p:nvSpPr>
-        <p:spPr/>
-        <p:txBody>
-          <a:bodyPr/>
-          <a:lstStyle/>
-          <a:p>
-            <a:endParaRPr lang="en-US"/>
-          </a:p>
-        </p:txBody>
-      </p:sp>
-    </p:spTree>
-    <p:extLst>
-      <p:ext uri="{BB962C8B-B14F-4D97-AF65-F5344CB8AC3E}">
-        <p14:creationId xmlns:p14="http://schemas.microsoft.com/office/powerpoint/2010/main" val="336108111"/>
-      </p:ext>
-    </p:extLst>
-  </p:cSld>
-  <p:clrMapOvr>
-    <a:masterClrMapping/>
-  </p:clrMapOvr>
-</p:sld>
-</file>
-
-<file path=ppt/slides/slide2.xml><?xml version="1.0" encoding="utf-8"?>
+<file path=ppt/slides/slide5.xml><?xml version="1.0" encoding="utf-8"?>
 <p:sld xmlns:a="http://schemas.openxmlformats.org/drawingml/2006/main" xmlns:r="http://schemas.openxmlformats.org/officeDocument/2006/relationships" xmlns:p="http://schemas.openxmlformats.org/presentationml/2006/main">
   <p:cSld>
     <p:bg>
@@ -4107,60 +4942,127 @@
           <a:chExt cx="0" cy="0"/>
         </a:xfrm>
       </p:grpSpPr>
-      <p:sp>
-        <p:nvSpPr>
-          <p:cNvPr id="2" name="Title 1">
-            <a:extLst>
-              <a:ext uri="{FF2B5EF4-FFF2-40B4-BE49-F238E27FC236}">
-                <a16:creationId xmlns:a16="http://schemas.microsoft.com/office/drawing/2014/main" id="{725B1904-5EFE-4388-9C31-F43D180BD6E5}"/>
-              </a:ext>
-            </a:extLst>
-          </p:cNvPr>
-          <p:cNvSpPr>
-            <a:spLocks noGrp="1"/>
-          </p:cNvSpPr>
-          <p:nvPr>
-            <p:ph type="title"/>
-          </p:nvPr>
-        </p:nvSpPr>
-        <p:spPr/>
-        <p:txBody>
-          <a:bodyPr/>
-          <a:lstStyle/>
-          <a:p>
-            <a:endParaRPr lang="en-US"/>
-          </a:p>
-        </p:txBody>
-      </p:sp>
-      <p:sp>
-        <p:nvSpPr>
-          <p:cNvPr id="3" name="Content Placeholder 2">
-            <a:extLst>
-              <a:ext uri="{FF2B5EF4-FFF2-40B4-BE49-F238E27FC236}">
-                <a16:creationId xmlns:a16="http://schemas.microsoft.com/office/drawing/2014/main" id="{EC865D48-D74B-48A6-AFD8-7DDC78AB5297}"/>
-              </a:ext>
-            </a:extLst>
-          </p:cNvPr>
-          <p:cNvSpPr>
-            <a:spLocks noGrp="1"/>
-          </p:cNvSpPr>
-          <p:nvPr>
-            <p:ph idx="1"/>
-          </p:nvPr>
-        </p:nvSpPr>
-        <p:spPr/>
-        <p:txBody>
-          <a:bodyPr/>
-          <a:lstStyle/>
-          <a:p>
-            <a:endParaRPr lang="en-US"/>
+      <p:pic>
+        <p:nvPicPr>
+          <p:cNvPr id="23" name="Picture 22">
+            <a:extLst>
+              <a:ext uri="{FF2B5EF4-FFF2-40B4-BE49-F238E27FC236}">
+                <a16:creationId xmlns:a16="http://schemas.microsoft.com/office/drawing/2014/main" id="{9BECF472-DC37-4112-8903-F81B31876D1E}"/>
+              </a:ext>
+            </a:extLst>
+          </p:cNvPr>
+          <p:cNvPicPr>
+            <a:picLocks noChangeAspect="1"/>
+          </p:cNvPicPr>
+          <p:nvPr/>
+        </p:nvPicPr>
+        <p:blipFill>
+          <a:blip r:embed="rId3">
+            <a:extLst>
+              <a:ext uri="{28A0092B-C50C-407E-A947-70E740481C1C}">
+                <a14:useLocalDpi xmlns:a14="http://schemas.microsoft.com/office/drawing/2010/main" val="0"/>
+              </a:ext>
+            </a:extLst>
+          </a:blip>
+          <a:stretch>
+            <a:fillRect/>
+          </a:stretch>
+        </p:blipFill>
+        <p:spPr>
+          <a:xfrm>
+            <a:off x="735581" y="1636295"/>
+            <a:ext cx="2962842" cy="2999874"/>
+          </a:xfrm>
+          <a:prstGeom prst="rect">
+            <a:avLst/>
+          </a:prstGeom>
+        </p:spPr>
+      </p:pic>
+      <p:sp>
+        <p:nvSpPr>
+          <p:cNvPr id="24" name="Rectangle 23">
+            <a:extLst>
+              <a:ext uri="{FF2B5EF4-FFF2-40B4-BE49-F238E27FC236}">
+                <a16:creationId xmlns:a16="http://schemas.microsoft.com/office/drawing/2014/main" id="{7114BD8D-ECC1-43D5-A3F3-58907BDF9733}"/>
+              </a:ext>
+            </a:extLst>
+          </p:cNvPr>
+          <p:cNvSpPr/>
+          <p:nvPr/>
+        </p:nvSpPr>
+        <p:spPr>
+          <a:xfrm>
+            <a:off x="996361" y="4636930"/>
+            <a:ext cx="2441281" cy="584775"/>
+          </a:xfrm>
+          <a:prstGeom prst="rect">
+            <a:avLst/>
+          </a:prstGeom>
+        </p:spPr>
+        <p:txBody>
+          <a:bodyPr wrap="square">
+            <a:spAutoFit/>
+          </a:bodyPr>
+          <a:lstStyle/>
+          <a:p>
+            <a:pPr algn="ctr"/>
+            <a:r>
+              <a:rPr lang="en-US" sz="3200" dirty="0">
+                <a:latin typeface="Berlin Sans FB" panose="020E0602020502020306" pitchFamily="34" charset="0"/>
+              </a:rPr>
+              <a:t>DISCOVER</a:t>
+            </a:r>
+            <a:endParaRPr lang="en-US" sz="2800" dirty="0"/>
+          </a:p>
+        </p:txBody>
+      </p:sp>
+      <p:sp>
+        <p:nvSpPr>
+          <p:cNvPr id="26" name="Rectangle 25">
+            <a:extLst>
+              <a:ext uri="{FF2B5EF4-FFF2-40B4-BE49-F238E27FC236}">
+                <a16:creationId xmlns:a16="http://schemas.microsoft.com/office/drawing/2014/main" id="{7A96984B-8D46-4EB9-BDBF-6527479D8EEB}"/>
+              </a:ext>
+            </a:extLst>
+          </p:cNvPr>
+          <p:cNvSpPr/>
+          <p:nvPr/>
+        </p:nvSpPr>
+        <p:spPr>
+          <a:xfrm>
+            <a:off x="4875359" y="1438978"/>
+            <a:ext cx="2441281" cy="4339650"/>
+          </a:xfrm>
+          <a:prstGeom prst="rect">
+            <a:avLst/>
+          </a:prstGeom>
+        </p:spPr>
+        <p:txBody>
+          <a:bodyPr wrap="square">
+            <a:spAutoFit/>
+          </a:bodyPr>
+          <a:lstStyle/>
+          <a:p>
+            <a:pPr algn="ctr"/>
+            <a:r>
+              <a:rPr lang="en-US" sz="4000" dirty="0">
+                <a:latin typeface="Berlin Sans FB" panose="020E0602020502020306" pitchFamily="34" charset="0"/>
+              </a:rPr>
+              <a:t>See what stories have been published by your friends</a:t>
+            </a:r>
+          </a:p>
+          <a:p>
+            <a:pPr algn="ctr"/>
+            <a:endParaRPr lang="en-US" sz="3600" dirty="0">
+              <a:latin typeface="Berlin Sans FB" panose="020E0602020502020306" pitchFamily="34" charset="0"/>
+            </a:endParaRPr>
           </a:p>
         </p:txBody>
       </p:sp>
     </p:spTree>
     <p:extLst>
       <p:ext uri="{BB962C8B-B14F-4D97-AF65-F5344CB8AC3E}">
-        <p14:creationId xmlns:p14="http://schemas.microsoft.com/office/powerpoint/2010/main" val="3284649117"/>
+        <p14:creationId xmlns:p14="http://schemas.microsoft.com/office/powerpoint/2010/main" val="4293817766"/>
       </p:ext>
     </p:extLst>
   </p:cSld>
@@ -4170,7 +5072,7 @@
 </p:sld>
 </file>
 
-<file path=ppt/slides/slide3.xml><?xml version="1.0" encoding="utf-8"?>
+<file path=ppt/slides/slide6.xml><?xml version="1.0" encoding="utf-8"?>
 <p:sld xmlns:a="http://schemas.openxmlformats.org/drawingml/2006/main" xmlns:r="http://schemas.openxmlformats.org/officeDocument/2006/relationships" xmlns:p="http://schemas.openxmlformats.org/presentationml/2006/main">
   <p:cSld>
     <p:bg>
@@ -4201,60 +5103,167 @@
           <a:chExt cx="0" cy="0"/>
         </a:xfrm>
       </p:grpSpPr>
-      <p:sp>
-        <p:nvSpPr>
-          <p:cNvPr id="2" name="Title 1">
-            <a:extLst>
-              <a:ext uri="{FF2B5EF4-FFF2-40B4-BE49-F238E27FC236}">
-                <a16:creationId xmlns:a16="http://schemas.microsoft.com/office/drawing/2014/main" id="{B757CC5D-2084-452B-9F01-EB2B75CBB97A}"/>
-              </a:ext>
-            </a:extLst>
-          </p:cNvPr>
-          <p:cNvSpPr>
-            <a:spLocks noGrp="1"/>
-          </p:cNvSpPr>
-          <p:nvPr>
-            <p:ph type="title"/>
-          </p:nvPr>
-        </p:nvSpPr>
-        <p:spPr/>
-        <p:txBody>
-          <a:bodyPr/>
-          <a:lstStyle/>
-          <a:p>
-            <a:endParaRPr lang="en-US"/>
-          </a:p>
-        </p:txBody>
-      </p:sp>
-      <p:sp>
-        <p:nvSpPr>
-          <p:cNvPr id="3" name="Content Placeholder 2">
-            <a:extLst>
-              <a:ext uri="{FF2B5EF4-FFF2-40B4-BE49-F238E27FC236}">
-                <a16:creationId xmlns:a16="http://schemas.microsoft.com/office/drawing/2014/main" id="{F273453C-315C-4F67-8119-82C8C9953027}"/>
-              </a:ext>
-            </a:extLst>
-          </p:cNvPr>
-          <p:cNvSpPr>
-            <a:spLocks noGrp="1"/>
-          </p:cNvSpPr>
-          <p:nvPr>
-            <p:ph idx="1"/>
-          </p:nvPr>
-        </p:nvSpPr>
-        <p:spPr/>
-        <p:txBody>
-          <a:bodyPr/>
-          <a:lstStyle/>
-          <a:p>
-            <a:endParaRPr lang="en-US"/>
+      <p:pic>
+        <p:nvPicPr>
+          <p:cNvPr id="6" name="Picture 5">
+            <a:extLst>
+              <a:ext uri="{FF2B5EF4-FFF2-40B4-BE49-F238E27FC236}">
+                <a16:creationId xmlns:a16="http://schemas.microsoft.com/office/drawing/2014/main" id="{30E142A2-2A3F-413F-966B-A7446181C5A6}"/>
+              </a:ext>
+            </a:extLst>
+          </p:cNvPr>
+          <p:cNvPicPr>
+            <a:picLocks noChangeAspect="1"/>
+          </p:cNvPicPr>
+          <p:nvPr/>
+        </p:nvPicPr>
+        <p:blipFill>
+          <a:blip r:embed="rId3">
+            <a:extLst>
+              <a:ext uri="{28A0092B-C50C-407E-A947-70E740481C1C}">
+                <a14:useLocalDpi xmlns:a14="http://schemas.microsoft.com/office/drawing/2010/main" val="0"/>
+              </a:ext>
+            </a:extLst>
+          </a:blip>
+          <a:stretch>
+            <a:fillRect/>
+          </a:stretch>
+        </p:blipFill>
+        <p:spPr>
+          <a:xfrm>
+            <a:off x="8889256" y="1392445"/>
+            <a:ext cx="1789666" cy="2999232"/>
+          </a:xfrm>
+          <a:prstGeom prst="rect">
+            <a:avLst/>
+          </a:prstGeom>
+        </p:spPr>
+      </p:pic>
+      <p:sp>
+        <p:nvSpPr>
+          <p:cNvPr id="7" name="Rectangle 6">
+            <a:extLst>
+              <a:ext uri="{FF2B5EF4-FFF2-40B4-BE49-F238E27FC236}">
+                <a16:creationId xmlns:a16="http://schemas.microsoft.com/office/drawing/2014/main" id="{D551D246-E1E9-48B3-A30E-048F8EA95236}"/>
+              </a:ext>
+            </a:extLst>
+          </p:cNvPr>
+          <p:cNvSpPr/>
+          <p:nvPr/>
+        </p:nvSpPr>
+        <p:spPr>
+          <a:xfrm>
+            <a:off x="9174787" y="4391677"/>
+            <a:ext cx="1218603" cy="584775"/>
+          </a:xfrm>
+          <a:prstGeom prst="rect">
+            <a:avLst/>
+          </a:prstGeom>
+        </p:spPr>
+        <p:txBody>
+          <a:bodyPr wrap="none">
+            <a:spAutoFit/>
+          </a:bodyPr>
+          <a:lstStyle/>
+          <a:p>
+            <a:pPr algn="ctr"/>
+            <a:r>
+              <a:rPr lang="en-US" sz="3200" dirty="0">
+                <a:latin typeface="Berlin Sans FB" panose="020E0602020502020306" pitchFamily="34" charset="0"/>
+              </a:rPr>
+              <a:t>PLAN</a:t>
+            </a:r>
+            <a:endParaRPr lang="en-US" sz="4000" dirty="0"/>
+          </a:p>
+        </p:txBody>
+      </p:sp>
+      <p:sp>
+        <p:nvSpPr>
+          <p:cNvPr id="8" name="TextBox 7">
+            <a:extLst>
+              <a:ext uri="{FF2B5EF4-FFF2-40B4-BE49-F238E27FC236}">
+                <a16:creationId xmlns:a16="http://schemas.microsoft.com/office/drawing/2014/main" id="{B9DBAFFA-D095-4ECF-AA39-1AAA28B5252E}"/>
+              </a:ext>
+            </a:extLst>
+          </p:cNvPr>
+          <p:cNvSpPr txBox="1"/>
+          <p:nvPr/>
+        </p:nvSpPr>
+        <p:spPr>
+          <a:xfrm>
+            <a:off x="4213914" y="1693618"/>
+            <a:ext cx="3764171" cy="3785652"/>
+          </a:xfrm>
+          <a:prstGeom prst="rect">
+            <a:avLst/>
+          </a:prstGeom>
+          <a:noFill/>
+        </p:spPr>
+        <p:txBody>
+          <a:bodyPr wrap="none" rtlCol="0">
+            <a:spAutoFit/>
+          </a:bodyPr>
+          <a:lstStyle/>
+          <a:p>
+            <a:pPr algn="ctr"/>
+            <a:r>
+              <a:rPr lang="en-US" sz="4000" dirty="0">
+                <a:latin typeface="Berlin Sans FB" panose="020E0602020502020306" pitchFamily="34" charset="0"/>
+              </a:rPr>
+              <a:t>Easy access </a:t>
+            </a:r>
+          </a:p>
+          <a:p>
+            <a:pPr algn="ctr"/>
+            <a:r>
+              <a:rPr lang="en-US" sz="4000" dirty="0">
+                <a:latin typeface="Berlin Sans FB" panose="020E0602020502020306" pitchFamily="34" charset="0"/>
+              </a:rPr>
+              <a:t>to info </a:t>
+            </a:r>
+          </a:p>
+          <a:p>
+            <a:pPr algn="ctr"/>
+            <a:r>
+              <a:rPr lang="en-US" sz="4000" dirty="0">
+                <a:latin typeface="Berlin Sans FB" panose="020E0602020502020306" pitchFamily="34" charset="0"/>
+              </a:rPr>
+              <a:t>Example : </a:t>
+            </a:r>
+          </a:p>
+          <a:p>
+            <a:pPr algn="ctr"/>
+            <a:r>
+              <a:rPr lang="en-US" sz="4000" dirty="0">
+                <a:latin typeface="Berlin Sans FB" panose="020E0602020502020306" pitchFamily="34" charset="0"/>
+              </a:rPr>
+              <a:t>accommodation,</a:t>
+            </a:r>
+          </a:p>
+          <a:p>
+            <a:pPr algn="ctr"/>
+            <a:r>
+              <a:rPr lang="en-US" sz="4000" dirty="0">
+                <a:latin typeface="Berlin Sans FB" panose="020E0602020502020306" pitchFamily="34" charset="0"/>
+              </a:rPr>
+              <a:t> transport and</a:t>
+            </a:r>
+          </a:p>
+          <a:p>
+            <a:pPr algn="ctr"/>
+            <a:r>
+              <a:rPr lang="en-US" sz="4000" dirty="0">
+                <a:latin typeface="Berlin Sans FB" panose="020E0602020502020306" pitchFamily="34" charset="0"/>
+              </a:rPr>
+              <a:t>location</a:t>
+            </a:r>
           </a:p>
         </p:txBody>
       </p:sp>
     </p:spTree>
     <p:extLst>
       <p:ext uri="{BB962C8B-B14F-4D97-AF65-F5344CB8AC3E}">
-        <p14:creationId xmlns:p14="http://schemas.microsoft.com/office/powerpoint/2010/main" val="1923476334"/>
+        <p14:creationId xmlns:p14="http://schemas.microsoft.com/office/powerpoint/2010/main" val="4278186412"/>
       </p:ext>
     </p:extLst>
   </p:cSld>
@@ -4264,7 +5273,178 @@
 </p:sld>
 </file>
 
-<file path=ppt/slides/slide4.xml><?xml version="1.0" encoding="utf-8"?>
+<file path=ppt/slides/slide7.xml><?xml version="1.0" encoding="utf-8"?>
+<p:sld xmlns:a="http://schemas.openxmlformats.org/drawingml/2006/main" xmlns:r="http://schemas.openxmlformats.org/officeDocument/2006/relationships" xmlns:p="http://schemas.openxmlformats.org/presentationml/2006/main">
+  <p:cSld>
+    <p:bg>
+      <p:bgPr>
+        <a:blipFill dpi="0" rotWithShape="1">
+          <a:blip r:embed="rId2">
+            <a:lum/>
+          </a:blip>
+          <a:srcRect/>
+          <a:stretch>
+            <a:fillRect t="-10000" b="-5000"/>
+          </a:stretch>
+        </a:blipFill>
+        <a:effectLst/>
+      </p:bgPr>
+    </p:bg>
+    <p:spTree>
+      <p:nvGrpSpPr>
+        <p:cNvPr id="1" name=""/>
+        <p:cNvGrpSpPr/>
+        <p:nvPr/>
+      </p:nvGrpSpPr>
+      <p:grpSpPr>
+        <a:xfrm>
+          <a:off x="0" y="0"/>
+          <a:ext cx="0" cy="0"/>
+          <a:chOff x="0" y="0"/>
+          <a:chExt cx="0" cy="0"/>
+        </a:xfrm>
+      </p:grpSpPr>
+      <p:pic>
+        <p:nvPicPr>
+          <p:cNvPr id="4" name="Picture 3">
+            <a:extLst>
+              <a:ext uri="{FF2B5EF4-FFF2-40B4-BE49-F238E27FC236}">
+                <a16:creationId xmlns:a16="http://schemas.microsoft.com/office/drawing/2014/main" id="{7932CD00-8554-4C4D-8274-8FDBC47C25A1}"/>
+              </a:ext>
+            </a:extLst>
+          </p:cNvPr>
+          <p:cNvPicPr>
+            <a:picLocks noChangeAspect="1"/>
+          </p:cNvPicPr>
+          <p:nvPr/>
+        </p:nvPicPr>
+        <p:blipFill>
+          <a:blip r:embed="rId3">
+            <a:extLst>
+              <a:ext uri="{28A0092B-C50C-407E-A947-70E740481C1C}">
+                <a14:useLocalDpi xmlns:a14="http://schemas.microsoft.com/office/drawing/2010/main" val="0"/>
+              </a:ext>
+            </a:extLst>
+          </a:blip>
+          <a:stretch>
+            <a:fillRect/>
+          </a:stretch>
+        </p:blipFill>
+        <p:spPr>
+          <a:xfrm>
+            <a:off x="4096511" y="429768"/>
+            <a:ext cx="3998978" cy="2999232"/>
+          </a:xfrm>
+          <a:prstGeom prst="rect">
+            <a:avLst/>
+          </a:prstGeom>
+        </p:spPr>
+      </p:pic>
+      <p:sp>
+        <p:nvSpPr>
+          <p:cNvPr id="5" name="Rectangle 4">
+            <a:extLst>
+              <a:ext uri="{FF2B5EF4-FFF2-40B4-BE49-F238E27FC236}">
+                <a16:creationId xmlns:a16="http://schemas.microsoft.com/office/drawing/2014/main" id="{1322E08A-3B3F-4420-90B4-0829ECBBCBFB}"/>
+              </a:ext>
+            </a:extLst>
+          </p:cNvPr>
+          <p:cNvSpPr/>
+          <p:nvPr/>
+        </p:nvSpPr>
+        <p:spPr>
+          <a:xfrm>
+            <a:off x="5104382" y="3429000"/>
+            <a:ext cx="1983236" cy="584775"/>
+          </a:xfrm>
+          <a:prstGeom prst="rect">
+            <a:avLst/>
+          </a:prstGeom>
+        </p:spPr>
+        <p:txBody>
+          <a:bodyPr wrap="none">
+            <a:spAutoFit/>
+          </a:bodyPr>
+          <a:lstStyle/>
+          <a:p>
+            <a:pPr algn="ctr"/>
+            <a:r>
+              <a:rPr lang="en-US" sz="3200" dirty="0">
+                <a:latin typeface="Berlin Sans FB" panose="020E0602020502020306" pitchFamily="34" charset="0"/>
+              </a:rPr>
+              <a:t>MY DIARY</a:t>
+            </a:r>
+            <a:endParaRPr lang="en-US" sz="4000" dirty="0"/>
+          </a:p>
+        </p:txBody>
+      </p:sp>
+      <p:sp>
+        <p:nvSpPr>
+          <p:cNvPr id="6" name="TextBox 5">
+            <a:extLst>
+              <a:ext uri="{FF2B5EF4-FFF2-40B4-BE49-F238E27FC236}">
+                <a16:creationId xmlns:a16="http://schemas.microsoft.com/office/drawing/2014/main" id="{C1D3C96C-BADF-45FE-B308-05851A98294D}"/>
+              </a:ext>
+            </a:extLst>
+          </p:cNvPr>
+          <p:cNvSpPr txBox="1"/>
+          <p:nvPr/>
+        </p:nvSpPr>
+        <p:spPr>
+          <a:xfrm>
+            <a:off x="822761" y="4363453"/>
+            <a:ext cx="10546477" cy="1938992"/>
+          </a:xfrm>
+          <a:prstGeom prst="rect">
+            <a:avLst/>
+          </a:prstGeom>
+          <a:noFill/>
+        </p:spPr>
+        <p:txBody>
+          <a:bodyPr wrap="none" rtlCol="0">
+            <a:spAutoFit/>
+          </a:bodyPr>
+          <a:lstStyle/>
+          <a:p>
+            <a:pPr algn="ctr"/>
+            <a:r>
+              <a:rPr lang="en-US" sz="4000" dirty="0">
+                <a:latin typeface="Berlin Sans FB" panose="020E0602020502020306" pitchFamily="34" charset="0"/>
+              </a:rPr>
+              <a:t>Create private daily diaries </a:t>
+            </a:r>
+          </a:p>
+          <a:p>
+            <a:pPr algn="ctr"/>
+            <a:r>
+              <a:rPr lang="en-US" sz="4000" dirty="0">
+                <a:latin typeface="Berlin Sans FB" panose="020E0602020502020306" pitchFamily="34" charset="0"/>
+              </a:rPr>
+              <a:t>from text and camera roll images (multiple trips)</a:t>
+            </a:r>
+          </a:p>
+          <a:p>
+            <a:pPr algn="ctr"/>
+            <a:endParaRPr lang="en-US" sz="4000" dirty="0">
+              <a:latin typeface="Berlin Sans FB" panose="020E0602020502020306" pitchFamily="34" charset="0"/>
+            </a:endParaRPr>
+          </a:p>
+        </p:txBody>
+      </p:sp>
+    </p:spTree>
+    <p:extLst>
+      <p:ext uri="{BB962C8B-B14F-4D97-AF65-F5344CB8AC3E}">
+        <p14:creationId xmlns:p14="http://schemas.microsoft.com/office/powerpoint/2010/main" val="2298983102"/>
+      </p:ext>
+    </p:extLst>
+  </p:cSld>
+  <p:clrMapOvr>
+    <a:masterClrMapping/>
+  </p:clrMapOvr>
+</p:sld>
+</file>
+
+<file path=ppt/slides/slide8.xml><?xml version="1.0" encoding="utf-8"?>
 <p:sld xmlns:a="http://schemas.openxmlformats.org/drawingml/2006/main" xmlns:r="http://schemas.openxmlformats.org/officeDocument/2006/relationships" xmlns:p="http://schemas.openxmlformats.org/presentationml/2006/main">
   <p:cSld>
     <p:bg>
@@ -4295,436 +5475,146 @@
           <a:chExt cx="0" cy="0"/>
         </a:xfrm>
       </p:grpSpPr>
-      <p:sp>
-        <p:nvSpPr>
-          <p:cNvPr id="2" name="Title 1">
-            <a:extLst>
-              <a:ext uri="{FF2B5EF4-FFF2-40B4-BE49-F238E27FC236}">
-                <a16:creationId xmlns:a16="http://schemas.microsoft.com/office/drawing/2014/main" id="{16990967-1A07-429D-B3B8-4684A912FC62}"/>
-              </a:ext>
-            </a:extLst>
-          </p:cNvPr>
-          <p:cNvSpPr>
-            <a:spLocks noGrp="1"/>
-          </p:cNvSpPr>
-          <p:nvPr>
-            <p:ph type="title"/>
-          </p:nvPr>
-        </p:nvSpPr>
-        <p:spPr/>
-        <p:txBody>
-          <a:bodyPr/>
-          <a:lstStyle/>
-          <a:p>
-            <a:endParaRPr lang="en-US"/>
-          </a:p>
-        </p:txBody>
-      </p:sp>
-      <p:sp>
-        <p:nvSpPr>
-          <p:cNvPr id="3" name="Content Placeholder 2">
-            <a:extLst>
-              <a:ext uri="{FF2B5EF4-FFF2-40B4-BE49-F238E27FC236}">
-                <a16:creationId xmlns:a16="http://schemas.microsoft.com/office/drawing/2014/main" id="{334EA45E-B184-4BB9-87F1-44058A0BCD72}"/>
-              </a:ext>
-            </a:extLst>
-          </p:cNvPr>
-          <p:cNvSpPr>
-            <a:spLocks noGrp="1"/>
-          </p:cNvSpPr>
-          <p:nvPr>
-            <p:ph idx="1"/>
-          </p:nvPr>
-        </p:nvSpPr>
-        <p:spPr/>
-        <p:txBody>
-          <a:bodyPr/>
-          <a:lstStyle/>
-          <a:p>
-            <a:endParaRPr lang="en-US"/>
+      <p:pic>
+        <p:nvPicPr>
+          <p:cNvPr id="29" name="Picture 28">
+            <a:extLst>
+              <a:ext uri="{FF2B5EF4-FFF2-40B4-BE49-F238E27FC236}">
+                <a16:creationId xmlns:a16="http://schemas.microsoft.com/office/drawing/2014/main" id="{477ECFE4-B308-4E4C-B997-4801E9B86E48}"/>
+              </a:ext>
+            </a:extLst>
+          </p:cNvPr>
+          <p:cNvPicPr>
+            <a:picLocks noChangeAspect="1"/>
+          </p:cNvPicPr>
+          <p:nvPr/>
+        </p:nvPicPr>
+        <p:blipFill>
+          <a:blip r:embed="rId3">
+            <a:extLst>
+              <a:ext uri="{28A0092B-C50C-407E-A947-70E740481C1C}">
+                <a14:useLocalDpi xmlns:a14="http://schemas.microsoft.com/office/drawing/2010/main" val="0"/>
+              </a:ext>
+            </a:extLst>
+          </a:blip>
+          <a:stretch>
+            <a:fillRect/>
+          </a:stretch>
+        </p:blipFill>
+        <p:spPr>
+          <a:xfrm>
+            <a:off x="624136" y="2016643"/>
+            <a:ext cx="4060690" cy="2999232"/>
+          </a:xfrm>
+          <a:prstGeom prst="rect">
+            <a:avLst/>
+          </a:prstGeom>
+        </p:spPr>
+      </p:pic>
+      <p:sp>
+        <p:nvSpPr>
+          <p:cNvPr id="30" name="Rectangle 29">
+            <a:extLst>
+              <a:ext uri="{FF2B5EF4-FFF2-40B4-BE49-F238E27FC236}">
+                <a16:creationId xmlns:a16="http://schemas.microsoft.com/office/drawing/2014/main" id="{22C8899A-42A4-408B-A7D2-54596D7ABB21}"/>
+              </a:ext>
+            </a:extLst>
+          </p:cNvPr>
+          <p:cNvSpPr/>
+          <p:nvPr/>
+        </p:nvSpPr>
+        <p:spPr>
+          <a:xfrm>
+            <a:off x="2053195" y="4902758"/>
+            <a:ext cx="1202573" cy="584775"/>
+          </a:xfrm>
+          <a:prstGeom prst="rect">
+            <a:avLst/>
+          </a:prstGeom>
+        </p:spPr>
+        <p:txBody>
+          <a:bodyPr wrap="none">
+            <a:spAutoFit/>
+          </a:bodyPr>
+          <a:lstStyle/>
+          <a:p>
+            <a:pPr algn="ctr"/>
+            <a:r>
+              <a:rPr lang="en-US" sz="3200" dirty="0">
+                <a:latin typeface="Berlin Sans FB" panose="020E0602020502020306" pitchFamily="34" charset="0"/>
+              </a:rPr>
+              <a:t>CHAT</a:t>
+            </a:r>
+            <a:endParaRPr lang="en-US" sz="4000" dirty="0"/>
+          </a:p>
+        </p:txBody>
+      </p:sp>
+      <p:sp>
+        <p:nvSpPr>
+          <p:cNvPr id="32" name="TextBox 31">
+            <a:extLst>
+              <a:ext uri="{FF2B5EF4-FFF2-40B4-BE49-F238E27FC236}">
+                <a16:creationId xmlns:a16="http://schemas.microsoft.com/office/drawing/2014/main" id="{A2EC0970-856B-467F-85EA-BD570C8FEFA4}"/>
+              </a:ext>
+            </a:extLst>
+          </p:cNvPr>
+          <p:cNvSpPr txBox="1"/>
+          <p:nvPr/>
+        </p:nvSpPr>
+        <p:spPr>
+          <a:xfrm>
+            <a:off x="5043674" y="2461330"/>
+            <a:ext cx="3935694" cy="2554545"/>
+          </a:xfrm>
+          <a:prstGeom prst="rect">
+            <a:avLst/>
+          </a:prstGeom>
+          <a:noFill/>
+        </p:spPr>
+        <p:txBody>
+          <a:bodyPr wrap="none" rtlCol="0">
+            <a:spAutoFit/>
+          </a:bodyPr>
+          <a:lstStyle/>
+          <a:p>
+            <a:pPr algn="ctr"/>
+            <a:r>
+              <a:rPr lang="en-US" sz="4000" dirty="0">
+                <a:latin typeface="Berlin Sans FB" panose="020E0602020502020306" pitchFamily="34" charset="0"/>
+              </a:rPr>
+              <a:t>Send and receive </a:t>
+            </a:r>
+          </a:p>
+          <a:p>
+            <a:pPr algn="ctr"/>
+            <a:r>
+              <a:rPr lang="en-US" sz="4000" dirty="0">
+                <a:latin typeface="Berlin Sans FB" panose="020E0602020502020306" pitchFamily="34" charset="0"/>
+              </a:rPr>
+              <a:t>messages to </a:t>
+            </a:r>
+          </a:p>
+          <a:p>
+            <a:pPr algn="ctr"/>
+            <a:r>
+              <a:rPr lang="en-US" sz="4000" dirty="0">
+                <a:latin typeface="Berlin Sans FB" panose="020E0602020502020306" pitchFamily="34" charset="0"/>
+              </a:rPr>
+              <a:t>friends</a:t>
+            </a:r>
+          </a:p>
+          <a:p>
+            <a:pPr algn="ctr"/>
+            <a:endParaRPr lang="en-US" sz="4000" dirty="0">
+              <a:latin typeface="Berlin Sans FB" panose="020E0602020502020306" pitchFamily="34" charset="0"/>
+            </a:endParaRPr>
           </a:p>
         </p:txBody>
       </p:sp>
     </p:spTree>
     <p:extLst>
       <p:ext uri="{BB962C8B-B14F-4D97-AF65-F5344CB8AC3E}">
-        <p14:creationId xmlns:p14="http://schemas.microsoft.com/office/powerpoint/2010/main" val="4278186412"/>
-      </p:ext>
-    </p:extLst>
-  </p:cSld>
-  <p:clrMapOvr>
-    <a:masterClrMapping/>
-  </p:clrMapOvr>
-</p:sld>
-</file>
-
-<file path=ppt/slides/slide5.xml><?xml version="1.0" encoding="utf-8"?>
-<p:sld xmlns:a="http://schemas.openxmlformats.org/drawingml/2006/main" xmlns:r="http://schemas.openxmlformats.org/officeDocument/2006/relationships" xmlns:p="http://schemas.openxmlformats.org/presentationml/2006/main">
-  <p:cSld>
-    <p:bg>
-      <p:bgPr>
-        <a:blipFill dpi="0" rotWithShape="1">
-          <a:blip r:embed="rId2">
-            <a:lum/>
-          </a:blip>
-          <a:srcRect/>
-          <a:stretch>
-            <a:fillRect t="-9000" b="-9000"/>
-          </a:stretch>
-        </a:blipFill>
-        <a:effectLst/>
-      </p:bgPr>
-    </p:bg>
-    <p:spTree>
-      <p:nvGrpSpPr>
-        <p:cNvPr id="1" name=""/>
-        <p:cNvGrpSpPr/>
-        <p:nvPr/>
-      </p:nvGrpSpPr>
-      <p:grpSpPr>
-        <a:xfrm>
-          <a:off x="0" y="0"/>
-          <a:ext cx="0" cy="0"/>
-          <a:chOff x="0" y="0"/>
-          <a:chExt cx="0" cy="0"/>
-        </a:xfrm>
-      </p:grpSpPr>
-      <p:sp>
-        <p:nvSpPr>
-          <p:cNvPr id="2" name="Title 1">
-            <a:extLst>
-              <a:ext uri="{FF2B5EF4-FFF2-40B4-BE49-F238E27FC236}">
-                <a16:creationId xmlns:a16="http://schemas.microsoft.com/office/drawing/2014/main" id="{3AB7BF8D-0878-4AFD-B84A-658FF85E7FBF}"/>
-              </a:ext>
-            </a:extLst>
-          </p:cNvPr>
-          <p:cNvSpPr>
-            <a:spLocks noGrp="1"/>
-          </p:cNvSpPr>
-          <p:nvPr>
-            <p:ph type="title"/>
-          </p:nvPr>
-        </p:nvSpPr>
-        <p:spPr/>
-        <p:txBody>
-          <a:bodyPr/>
-          <a:lstStyle/>
-          <a:p>
-            <a:endParaRPr lang="en-US"/>
-          </a:p>
-        </p:txBody>
-      </p:sp>
-      <p:sp>
-        <p:nvSpPr>
-          <p:cNvPr id="3" name="Content Placeholder 2">
-            <a:extLst>
-              <a:ext uri="{FF2B5EF4-FFF2-40B4-BE49-F238E27FC236}">
-                <a16:creationId xmlns:a16="http://schemas.microsoft.com/office/drawing/2014/main" id="{1EF2EC40-2319-4D73-B21F-2DCDA17D7CC9}"/>
-              </a:ext>
-            </a:extLst>
-          </p:cNvPr>
-          <p:cNvSpPr>
-            <a:spLocks noGrp="1"/>
-          </p:cNvSpPr>
-          <p:nvPr>
-            <p:ph idx="1"/>
-          </p:nvPr>
-        </p:nvSpPr>
-        <p:spPr/>
-        <p:txBody>
-          <a:bodyPr/>
-          <a:lstStyle/>
-          <a:p>
-            <a:endParaRPr lang="en-US"/>
-          </a:p>
-        </p:txBody>
-      </p:sp>
-    </p:spTree>
-    <p:extLst>
-      <p:ext uri="{BB962C8B-B14F-4D97-AF65-F5344CB8AC3E}">
-        <p14:creationId xmlns:p14="http://schemas.microsoft.com/office/powerpoint/2010/main" val="589051173"/>
-      </p:ext>
-    </p:extLst>
-  </p:cSld>
-  <p:clrMapOvr>
-    <a:masterClrMapping/>
-  </p:clrMapOvr>
-</p:sld>
-</file>
-
-<file path=ppt/slides/slide6.xml><?xml version="1.0" encoding="utf-8"?>
-<p:sld xmlns:a="http://schemas.openxmlformats.org/drawingml/2006/main" xmlns:r="http://schemas.openxmlformats.org/officeDocument/2006/relationships" xmlns:p="http://schemas.openxmlformats.org/presentationml/2006/main">
-  <p:cSld>
-    <p:bg>
-      <p:bgPr>
-        <a:blipFill dpi="0" rotWithShape="1">
-          <a:blip r:embed="rId2">
-            <a:lum/>
-          </a:blip>
-          <a:srcRect/>
-          <a:stretch>
-            <a:fillRect t="-9000" b="-9000"/>
-          </a:stretch>
-        </a:blipFill>
-        <a:effectLst/>
-      </p:bgPr>
-    </p:bg>
-    <p:spTree>
-      <p:nvGrpSpPr>
-        <p:cNvPr id="1" name=""/>
-        <p:cNvGrpSpPr/>
-        <p:nvPr/>
-      </p:nvGrpSpPr>
-      <p:grpSpPr>
-        <a:xfrm>
-          <a:off x="0" y="0"/>
-          <a:ext cx="0" cy="0"/>
-          <a:chOff x="0" y="0"/>
-          <a:chExt cx="0" cy="0"/>
-        </a:xfrm>
-      </p:grpSpPr>
-      <p:sp>
-        <p:nvSpPr>
-          <p:cNvPr id="2" name="Title 1">
-            <a:extLst>
-              <a:ext uri="{FF2B5EF4-FFF2-40B4-BE49-F238E27FC236}">
-                <a16:creationId xmlns:a16="http://schemas.microsoft.com/office/drawing/2014/main" id="{8D602D66-CB98-4FAD-8593-B53AE2C8906A}"/>
-              </a:ext>
-            </a:extLst>
-          </p:cNvPr>
-          <p:cNvSpPr>
-            <a:spLocks noGrp="1"/>
-          </p:cNvSpPr>
-          <p:nvPr>
-            <p:ph type="title"/>
-          </p:nvPr>
-        </p:nvSpPr>
-        <p:spPr/>
-        <p:txBody>
-          <a:bodyPr/>
-          <a:lstStyle/>
-          <a:p>
-            <a:endParaRPr lang="en-US"/>
-          </a:p>
-        </p:txBody>
-      </p:sp>
-      <p:sp>
-        <p:nvSpPr>
-          <p:cNvPr id="3" name="Content Placeholder 2">
-            <a:extLst>
-              <a:ext uri="{FF2B5EF4-FFF2-40B4-BE49-F238E27FC236}">
-                <a16:creationId xmlns:a16="http://schemas.microsoft.com/office/drawing/2014/main" id="{D5070F60-886A-4742-A30C-7D43DB84FA36}"/>
-              </a:ext>
-            </a:extLst>
-          </p:cNvPr>
-          <p:cNvSpPr>
-            <a:spLocks noGrp="1"/>
-          </p:cNvSpPr>
-          <p:nvPr>
-            <p:ph idx="1"/>
-          </p:nvPr>
-        </p:nvSpPr>
-        <p:spPr/>
-        <p:txBody>
-          <a:bodyPr/>
-          <a:lstStyle/>
-          <a:p>
-            <a:endParaRPr lang="en-US"/>
-          </a:p>
-        </p:txBody>
-      </p:sp>
-    </p:spTree>
-    <p:extLst>
-      <p:ext uri="{BB962C8B-B14F-4D97-AF65-F5344CB8AC3E}">
-        <p14:creationId xmlns:p14="http://schemas.microsoft.com/office/powerpoint/2010/main" val="2690386630"/>
-      </p:ext>
-    </p:extLst>
-  </p:cSld>
-  <p:clrMapOvr>
-    <a:masterClrMapping/>
-  </p:clrMapOvr>
-</p:sld>
-</file>
-
-<file path=ppt/slides/slide7.xml><?xml version="1.0" encoding="utf-8"?>
-<p:sld xmlns:a="http://schemas.openxmlformats.org/drawingml/2006/main" xmlns:r="http://schemas.openxmlformats.org/officeDocument/2006/relationships" xmlns:p="http://schemas.openxmlformats.org/presentationml/2006/main">
-  <p:cSld>
-    <p:bg>
-      <p:bgPr>
-        <a:blipFill dpi="0" rotWithShape="1">
-          <a:blip r:embed="rId2">
-            <a:lum/>
-          </a:blip>
-          <a:srcRect/>
-          <a:stretch>
-            <a:fillRect t="-9000" b="-9000"/>
-          </a:stretch>
-        </a:blipFill>
-        <a:effectLst/>
-      </p:bgPr>
-    </p:bg>
-    <p:spTree>
-      <p:nvGrpSpPr>
-        <p:cNvPr id="1" name=""/>
-        <p:cNvGrpSpPr/>
-        <p:nvPr/>
-      </p:nvGrpSpPr>
-      <p:grpSpPr>
-        <a:xfrm>
-          <a:off x="0" y="0"/>
-          <a:ext cx="0" cy="0"/>
-          <a:chOff x="0" y="0"/>
-          <a:chExt cx="0" cy="0"/>
-        </a:xfrm>
-      </p:grpSpPr>
-      <p:sp>
-        <p:nvSpPr>
-          <p:cNvPr id="2" name="Title 1">
-            <a:extLst>
-              <a:ext uri="{FF2B5EF4-FFF2-40B4-BE49-F238E27FC236}">
-                <a16:creationId xmlns:a16="http://schemas.microsoft.com/office/drawing/2014/main" id="{8652700A-34BE-44EA-8726-251FA618DEAC}"/>
-              </a:ext>
-            </a:extLst>
-          </p:cNvPr>
-          <p:cNvSpPr>
-            <a:spLocks noGrp="1"/>
-          </p:cNvSpPr>
-          <p:nvPr>
-            <p:ph type="title"/>
-          </p:nvPr>
-        </p:nvSpPr>
-        <p:spPr/>
-        <p:txBody>
-          <a:bodyPr/>
-          <a:lstStyle/>
-          <a:p>
-            <a:endParaRPr lang="en-US"/>
-          </a:p>
-        </p:txBody>
-      </p:sp>
-      <p:sp>
-        <p:nvSpPr>
-          <p:cNvPr id="3" name="Content Placeholder 2">
-            <a:extLst>
-              <a:ext uri="{FF2B5EF4-FFF2-40B4-BE49-F238E27FC236}">
-                <a16:creationId xmlns:a16="http://schemas.microsoft.com/office/drawing/2014/main" id="{43E6BC2F-2776-4D7E-A5D6-8D180F2F5A28}"/>
-              </a:ext>
-            </a:extLst>
-          </p:cNvPr>
-          <p:cNvSpPr>
-            <a:spLocks noGrp="1"/>
-          </p:cNvSpPr>
-          <p:nvPr>
-            <p:ph idx="1"/>
-          </p:nvPr>
-        </p:nvSpPr>
-        <p:spPr/>
-        <p:txBody>
-          <a:bodyPr/>
-          <a:lstStyle/>
-          <a:p>
-            <a:endParaRPr lang="en-US"/>
-          </a:p>
-        </p:txBody>
-      </p:sp>
-    </p:spTree>
-    <p:extLst>
-      <p:ext uri="{BB962C8B-B14F-4D97-AF65-F5344CB8AC3E}">
-        <p14:creationId xmlns:p14="http://schemas.microsoft.com/office/powerpoint/2010/main" val="1793413754"/>
-      </p:ext>
-    </p:extLst>
-  </p:cSld>
-  <p:clrMapOvr>
-    <a:masterClrMapping/>
-  </p:clrMapOvr>
-</p:sld>
-</file>
-
-<file path=ppt/slides/slide8.xml><?xml version="1.0" encoding="utf-8"?>
-<p:sld xmlns:a="http://schemas.openxmlformats.org/drawingml/2006/main" xmlns:r="http://schemas.openxmlformats.org/officeDocument/2006/relationships" xmlns:p="http://schemas.openxmlformats.org/presentationml/2006/main">
-  <p:cSld>
-    <p:bg>
-      <p:bgPr>
-        <a:blipFill dpi="0" rotWithShape="1">
-          <a:blip r:embed="rId2">
-            <a:lum/>
-          </a:blip>
-          <a:srcRect/>
-          <a:stretch>
-            <a:fillRect/>
-          </a:stretch>
-        </a:blipFill>
-        <a:effectLst/>
-      </p:bgPr>
-    </p:bg>
-    <p:spTree>
-      <p:nvGrpSpPr>
-        <p:cNvPr id="1" name=""/>
-        <p:cNvGrpSpPr/>
-        <p:nvPr/>
-      </p:nvGrpSpPr>
-      <p:grpSpPr>
-        <a:xfrm>
-          <a:off x="0" y="0"/>
-          <a:ext cx="0" cy="0"/>
-          <a:chOff x="0" y="0"/>
-          <a:chExt cx="0" cy="0"/>
-        </a:xfrm>
-      </p:grpSpPr>
-      <p:sp>
-        <p:nvSpPr>
-          <p:cNvPr id="2" name="Title 1">
-            <a:extLst>
-              <a:ext uri="{FF2B5EF4-FFF2-40B4-BE49-F238E27FC236}">
-                <a16:creationId xmlns:a16="http://schemas.microsoft.com/office/drawing/2014/main" id="{7618479D-C485-4EEA-BAB5-002AB5EA9770}"/>
-              </a:ext>
-            </a:extLst>
-          </p:cNvPr>
-          <p:cNvSpPr>
-            <a:spLocks noGrp="1"/>
-          </p:cNvSpPr>
-          <p:nvPr>
-            <p:ph type="title"/>
-          </p:nvPr>
-        </p:nvSpPr>
-        <p:spPr/>
-        <p:txBody>
-          <a:bodyPr/>
-          <a:lstStyle/>
-          <a:p>
-            <a:endParaRPr lang="en-US"/>
-          </a:p>
-        </p:txBody>
-      </p:sp>
-      <p:sp>
-        <p:nvSpPr>
-          <p:cNvPr id="3" name="Content Placeholder 2">
-            <a:extLst>
-              <a:ext uri="{FF2B5EF4-FFF2-40B4-BE49-F238E27FC236}">
-                <a16:creationId xmlns:a16="http://schemas.microsoft.com/office/drawing/2014/main" id="{3BD2504E-AFE9-4BF6-8654-FAF737DED80F}"/>
-              </a:ext>
-            </a:extLst>
-          </p:cNvPr>
-          <p:cNvSpPr>
-            <a:spLocks noGrp="1"/>
-          </p:cNvSpPr>
-          <p:nvPr>
-            <p:ph idx="1"/>
-          </p:nvPr>
-        </p:nvSpPr>
-        <p:spPr/>
-        <p:txBody>
-          <a:bodyPr/>
-          <a:lstStyle/>
-          <a:p>
-            <a:endParaRPr lang="en-US"/>
-          </a:p>
-        </p:txBody>
-      </p:sp>
-    </p:spTree>
-    <p:extLst>
-      <p:ext uri="{BB962C8B-B14F-4D97-AF65-F5344CB8AC3E}">
-        <p14:creationId xmlns:p14="http://schemas.microsoft.com/office/powerpoint/2010/main" val="2298983102"/>
+        <p14:creationId xmlns:p14="http://schemas.microsoft.com/office/powerpoint/2010/main" val="1923476334"/>
       </p:ext>
     </p:extLst>
   </p:cSld>
@@ -4745,7 +5635,7 @@
           </a:blip>
           <a:srcRect/>
           <a:stretch>
-            <a:fillRect/>
+            <a:fillRect t="-10000" b="-10000"/>
           </a:stretch>
         </a:blipFill>
         <a:effectLst/>
@@ -4765,60 +5655,139 @@
           <a:chExt cx="0" cy="0"/>
         </a:xfrm>
       </p:grpSpPr>
-      <p:sp>
-        <p:nvSpPr>
-          <p:cNvPr id="2" name="Title 1">
-            <a:extLst>
-              <a:ext uri="{FF2B5EF4-FFF2-40B4-BE49-F238E27FC236}">
-                <a16:creationId xmlns:a16="http://schemas.microsoft.com/office/drawing/2014/main" id="{630C5F29-CD94-4415-AEB4-5CDCC4CC84F8}"/>
-              </a:ext>
-            </a:extLst>
-          </p:cNvPr>
-          <p:cNvSpPr>
-            <a:spLocks noGrp="1"/>
-          </p:cNvSpPr>
-          <p:nvPr>
-            <p:ph type="title"/>
-          </p:nvPr>
-        </p:nvSpPr>
-        <p:spPr/>
-        <p:txBody>
-          <a:bodyPr/>
-          <a:lstStyle/>
-          <a:p>
-            <a:endParaRPr lang="en-US"/>
-          </a:p>
-        </p:txBody>
-      </p:sp>
-      <p:sp>
-        <p:nvSpPr>
-          <p:cNvPr id="3" name="Content Placeholder 2">
-            <a:extLst>
-              <a:ext uri="{FF2B5EF4-FFF2-40B4-BE49-F238E27FC236}">
-                <a16:creationId xmlns:a16="http://schemas.microsoft.com/office/drawing/2014/main" id="{041CCA5F-AF7D-4A29-9105-A49E89D5B8A0}"/>
-              </a:ext>
-            </a:extLst>
-          </p:cNvPr>
-          <p:cNvSpPr>
-            <a:spLocks noGrp="1"/>
-          </p:cNvSpPr>
-          <p:nvPr>
-            <p:ph idx="1"/>
-          </p:nvPr>
-        </p:nvSpPr>
-        <p:spPr/>
-        <p:txBody>
-          <a:bodyPr/>
-          <a:lstStyle/>
-          <a:p>
-            <a:endParaRPr lang="en-US"/>
+      <p:pic>
+        <p:nvPicPr>
+          <p:cNvPr id="5" name="Picture 4">
+            <a:extLst>
+              <a:ext uri="{FF2B5EF4-FFF2-40B4-BE49-F238E27FC236}">
+                <a16:creationId xmlns:a16="http://schemas.microsoft.com/office/drawing/2014/main" id="{ECBBD70D-9B3B-46FC-BF6E-A51B8C66A20D}"/>
+              </a:ext>
+            </a:extLst>
+          </p:cNvPr>
+          <p:cNvPicPr>
+            <a:picLocks noChangeAspect="1"/>
+          </p:cNvPicPr>
+          <p:nvPr/>
+        </p:nvPicPr>
+        <p:blipFill>
+          <a:blip r:embed="rId3">
+            <a:extLst>
+              <a:ext uri="{28A0092B-C50C-407E-A947-70E740481C1C}">
+                <a14:useLocalDpi xmlns:a14="http://schemas.microsoft.com/office/drawing/2010/main" val="0"/>
+              </a:ext>
+            </a:extLst>
+          </a:blip>
+          <a:stretch>
+            <a:fillRect/>
+          </a:stretch>
+        </p:blipFill>
+        <p:spPr>
+          <a:xfrm>
+            <a:off x="8817352" y="1557438"/>
+            <a:ext cx="2283365" cy="2999232"/>
+          </a:xfrm>
+          <a:prstGeom prst="rect">
+            <a:avLst/>
+          </a:prstGeom>
+        </p:spPr>
+      </p:pic>
+      <p:sp>
+        <p:nvSpPr>
+          <p:cNvPr id="9" name="Rectangle 8">
+            <a:extLst>
+              <a:ext uri="{FF2B5EF4-FFF2-40B4-BE49-F238E27FC236}">
+                <a16:creationId xmlns:a16="http://schemas.microsoft.com/office/drawing/2014/main" id="{1AFE78E5-F1FC-48EC-9610-21A6F791C6CE}"/>
+              </a:ext>
+            </a:extLst>
+          </p:cNvPr>
+          <p:cNvSpPr/>
+          <p:nvPr/>
+        </p:nvSpPr>
+        <p:spPr>
+          <a:xfrm>
+            <a:off x="8817352" y="4556670"/>
+            <a:ext cx="2132315" cy="584775"/>
+          </a:xfrm>
+          <a:prstGeom prst="rect">
+            <a:avLst/>
+          </a:prstGeom>
+        </p:spPr>
+        <p:txBody>
+          <a:bodyPr wrap="none">
+            <a:spAutoFit/>
+          </a:bodyPr>
+          <a:lstStyle/>
+          <a:p>
+            <a:pPr algn="ctr"/>
+            <a:r>
+              <a:rPr lang="en-US" sz="3200" dirty="0">
+                <a:latin typeface="Berlin Sans FB" panose="020E0602020502020306" pitchFamily="34" charset="0"/>
+              </a:rPr>
+              <a:t>ABOUT ME</a:t>
+            </a:r>
+            <a:endParaRPr lang="en-US" sz="4000" dirty="0"/>
+          </a:p>
+        </p:txBody>
+      </p:sp>
+      <p:sp>
+        <p:nvSpPr>
+          <p:cNvPr id="2" name="Rectangle 1">
+            <a:extLst>
+              <a:ext uri="{FF2B5EF4-FFF2-40B4-BE49-F238E27FC236}">
+                <a16:creationId xmlns:a16="http://schemas.microsoft.com/office/drawing/2014/main" id="{BD98A2F1-286E-4E48-A7A9-E0A4561C074A}"/>
+              </a:ext>
+            </a:extLst>
+          </p:cNvPr>
+          <p:cNvSpPr/>
+          <p:nvPr/>
+        </p:nvSpPr>
+        <p:spPr>
+          <a:xfrm>
+            <a:off x="4262806" y="2459504"/>
+            <a:ext cx="3666388" cy="1938992"/>
+          </a:xfrm>
+          <a:prstGeom prst="rect">
+            <a:avLst/>
+          </a:prstGeom>
+        </p:spPr>
+        <p:txBody>
+          <a:bodyPr wrap="none">
+            <a:spAutoFit/>
+          </a:bodyPr>
+          <a:lstStyle/>
+          <a:p>
+            <a:pPr algn="ctr"/>
+            <a:r>
+              <a:rPr lang="en-US" sz="4000" dirty="0">
+                <a:latin typeface="Berlin Sans FB" panose="020E0602020502020306" pitchFamily="34" charset="0"/>
+              </a:rPr>
+              <a:t>Store your basic </a:t>
+            </a:r>
+          </a:p>
+          <a:p>
+            <a:pPr algn="ctr"/>
+            <a:r>
+              <a:rPr lang="en-US" sz="4000" dirty="0">
+                <a:latin typeface="Berlin Sans FB" panose="020E0602020502020306" pitchFamily="34" charset="0"/>
+              </a:rPr>
+              <a:t>info for </a:t>
+            </a:r>
+          </a:p>
+          <a:p>
+            <a:pPr algn="ctr"/>
+            <a:r>
+              <a:rPr lang="en-US" sz="4000" dirty="0">
+                <a:latin typeface="Berlin Sans FB" panose="020E0602020502020306" pitchFamily="34" charset="0"/>
+              </a:rPr>
+              <a:t>future use</a:t>
+            </a:r>
           </a:p>
         </p:txBody>
       </p:sp>
     </p:spTree>
     <p:extLst>
       <p:ext uri="{BB962C8B-B14F-4D97-AF65-F5344CB8AC3E}">
-        <p14:creationId xmlns:p14="http://schemas.microsoft.com/office/powerpoint/2010/main" val="4197085798"/>
+        <p14:creationId xmlns:p14="http://schemas.microsoft.com/office/powerpoint/2010/main" val="1117764535"/>
       </p:ext>
     </p:extLst>
   </p:cSld>
